--- a/Antrittspräsentation.pptx
+++ b/Antrittspräsentation.pptx
@@ -5,26 +5,27 @@
     <p:sldMasterId id="2147483660" r:id="rId1"/>
   </p:sldMasterIdLst>
   <p:notesMasterIdLst>
-    <p:notesMasterId r:id="rId19"/>
+    <p:notesMasterId r:id="rId20"/>
   </p:notesMasterIdLst>
   <p:sldIdLst>
     <p:sldId id="256" r:id="rId2"/>
     <p:sldId id="257" r:id="rId3"/>
     <p:sldId id="258" r:id="rId4"/>
     <p:sldId id="259" r:id="rId5"/>
-    <p:sldId id="260" r:id="rId6"/>
-    <p:sldId id="261" r:id="rId7"/>
-    <p:sldId id="262" r:id="rId8"/>
-    <p:sldId id="268" r:id="rId9"/>
-    <p:sldId id="270" r:id="rId10"/>
-    <p:sldId id="273" r:id="rId11"/>
+    <p:sldId id="268" r:id="rId6"/>
+    <p:sldId id="277" r:id="rId7"/>
+    <p:sldId id="260" r:id="rId8"/>
+    <p:sldId id="273" r:id="rId9"/>
+    <p:sldId id="261" r:id="rId10"/>
+    <p:sldId id="262" r:id="rId11"/>
     <p:sldId id="274" r:id="rId12"/>
-    <p:sldId id="272" r:id="rId13"/>
-    <p:sldId id="276" r:id="rId14"/>
-    <p:sldId id="275" r:id="rId15"/>
-    <p:sldId id="265" r:id="rId16"/>
-    <p:sldId id="264" r:id="rId17"/>
-    <p:sldId id="266" r:id="rId18"/>
+    <p:sldId id="281" r:id="rId13"/>
+    <p:sldId id="264" r:id="rId14"/>
+    <p:sldId id="276" r:id="rId15"/>
+    <p:sldId id="275" r:id="rId16"/>
+    <p:sldId id="279" r:id="rId17"/>
+    <p:sldId id="280" r:id="rId18"/>
+    <p:sldId id="282" r:id="rId19"/>
   </p:sldIdLst>
   <p:sldSz cx="9144000" cy="6858000" type="screen4x3"/>
   <p:notesSz cx="6858000" cy="9144000"/>
@@ -126,7 +127,7 @@
   <p:extLst>
     <p:ext uri="{EFAFB233-063F-42B5-8137-9DF3F51BA10A}">
       <p15:sldGuideLst xmlns:p15="http://schemas.microsoft.com/office/powerpoint/2012/main">
-        <p15:guide id="1" orient="horz" pos="2092" userDrawn="1">
+        <p15:guide id="1" orient="horz" pos="2115" userDrawn="1">
           <p15:clr>
             <a:srgbClr val="A4A3A4"/>
           </p15:clr>
@@ -224,7 +225,7 @@
           <a:p>
             <a:fld id="{CB03F85F-3041-4A13-8BAA-E5BDE32C0C88}" type="datetimeFigureOut">
               <a:rPr lang="de-DE" smtClean="0"/>
-              <a:t>09.06.2015</a:t>
+              <a:t>14.06.2015</a:t>
             </a:fld>
             <a:endParaRPr lang="de-DE"/>
           </a:p>
@@ -704,7 +705,15 @@
           <a:bodyPr/>
           <a:lstStyle/>
           <a:p>
-            <a:endParaRPr lang="de-DE"/>
+            <a:r>
+              <a:rPr lang="de-DE" dirty="0" smtClean="0"/>
+              <a:t>Mit Manuel</a:t>
+            </a:r>
+            <a:r>
+              <a:rPr lang="de-DE" baseline="0" dirty="0" smtClean="0"/>
+              <a:t> Burghardt schon geschrieben.</a:t>
+            </a:r>
+            <a:endParaRPr lang="de-DE" dirty="0"/>
           </a:p>
         </p:txBody>
       </p:sp>
@@ -734,7 +743,7 @@
     </p:spTree>
     <p:extLst>
       <p:ext uri="{BB962C8B-B14F-4D97-AF65-F5344CB8AC3E}">
-        <p14:creationId xmlns:p14="http://schemas.microsoft.com/office/powerpoint/2010/main" val="2216827858"/>
+        <p14:creationId xmlns:p14="http://schemas.microsoft.com/office/powerpoint/2010/main" val="4198455714"/>
       </p:ext>
     </p:extLst>
   </p:cSld>
@@ -818,7 +827,7 @@
     </p:spTree>
     <p:extLst>
       <p:ext uri="{BB962C8B-B14F-4D97-AF65-F5344CB8AC3E}">
-        <p14:creationId xmlns:p14="http://schemas.microsoft.com/office/powerpoint/2010/main" val="2736365878"/>
+        <p14:creationId xmlns:p14="http://schemas.microsoft.com/office/powerpoint/2010/main" val="1546618358"/>
       </p:ext>
     </p:extLst>
   </p:cSld>
@@ -872,7 +881,7 @@
           <a:bodyPr/>
           <a:lstStyle/>
           <a:p>
-            <a:endParaRPr lang="de-DE" dirty="0"/>
+            <a:endParaRPr lang="de-DE"/>
           </a:p>
         </p:txBody>
       </p:sp>
@@ -902,7 +911,7 @@
     </p:spTree>
     <p:extLst>
       <p:ext uri="{BB962C8B-B14F-4D97-AF65-F5344CB8AC3E}">
-        <p14:creationId xmlns:p14="http://schemas.microsoft.com/office/powerpoint/2010/main" val="2409038211"/>
+        <p14:creationId xmlns:p14="http://schemas.microsoft.com/office/powerpoint/2010/main" val="2736365878"/>
       </p:ext>
     </p:extLst>
   </p:cSld>
@@ -956,7 +965,7 @@
           <a:bodyPr/>
           <a:lstStyle/>
           <a:p>
-            <a:endParaRPr lang="de-DE"/>
+            <a:endParaRPr lang="de-DE" dirty="0"/>
           </a:p>
         </p:txBody>
       </p:sp>
@@ -986,7 +995,7 @@
     </p:spTree>
     <p:extLst>
       <p:ext uri="{BB962C8B-B14F-4D97-AF65-F5344CB8AC3E}">
-        <p14:creationId xmlns:p14="http://schemas.microsoft.com/office/powerpoint/2010/main" val="1890734766"/>
+        <p14:creationId xmlns:p14="http://schemas.microsoft.com/office/powerpoint/2010/main" val="2409038211"/>
       </p:ext>
     </p:extLst>
   </p:cSld>
@@ -1040,7 +1049,7 @@
           <a:bodyPr/>
           <a:lstStyle/>
           <a:p>
-            <a:endParaRPr lang="de-DE"/>
+            <a:endParaRPr lang="de-DE" dirty="0"/>
           </a:p>
         </p:txBody>
       </p:sp>
@@ -1070,7 +1079,7 @@
     </p:spTree>
     <p:extLst>
       <p:ext uri="{BB962C8B-B14F-4D97-AF65-F5344CB8AC3E}">
-        <p14:creationId xmlns:p14="http://schemas.microsoft.com/office/powerpoint/2010/main" val="1546618358"/>
+        <p14:creationId xmlns:p14="http://schemas.microsoft.com/office/powerpoint/2010/main" val="1739506376"/>
       </p:ext>
     </p:extLst>
   </p:cSld>
@@ -1124,7 +1133,7 @@
           <a:bodyPr/>
           <a:lstStyle/>
           <a:p>
-            <a:endParaRPr lang="de-DE"/>
+            <a:endParaRPr lang="de-DE" dirty="0"/>
           </a:p>
         </p:txBody>
       </p:sp>
@@ -1154,7 +1163,91 @@
     </p:spTree>
     <p:extLst>
       <p:ext uri="{BB962C8B-B14F-4D97-AF65-F5344CB8AC3E}">
-        <p14:creationId xmlns:p14="http://schemas.microsoft.com/office/powerpoint/2010/main" val="728119417"/>
+        <p14:creationId xmlns:p14="http://schemas.microsoft.com/office/powerpoint/2010/main" val="473473196"/>
+      </p:ext>
+    </p:extLst>
+  </p:cSld>
+  <p:clrMapOvr>
+    <a:masterClrMapping/>
+  </p:clrMapOvr>
+</p:notes>
+</file>
+
+<file path=ppt/notesSlides/notesSlide17.xml><?xml version="1.0" encoding="utf-8"?>
+<p:notes xmlns:a="http://schemas.openxmlformats.org/drawingml/2006/main" xmlns:r="http://schemas.openxmlformats.org/officeDocument/2006/relationships" xmlns:p="http://schemas.openxmlformats.org/presentationml/2006/main">
+  <p:cSld>
+    <p:spTree>
+      <p:nvGrpSpPr>
+        <p:cNvPr id="1" name=""/>
+        <p:cNvGrpSpPr/>
+        <p:nvPr/>
+      </p:nvGrpSpPr>
+      <p:grpSpPr>
+        <a:xfrm>
+          <a:off x="0" y="0"/>
+          <a:ext cx="0" cy="0"/>
+          <a:chOff x="0" y="0"/>
+          <a:chExt cx="0" cy="0"/>
+        </a:xfrm>
+      </p:grpSpPr>
+      <p:sp>
+        <p:nvSpPr>
+          <p:cNvPr id="2" name="Folienbildplatzhalter 1"/>
+          <p:cNvSpPr>
+            <a:spLocks noGrp="1" noRot="1" noChangeAspect="1"/>
+          </p:cNvSpPr>
+          <p:nvPr>
+            <p:ph type="sldImg"/>
+          </p:nvPr>
+        </p:nvSpPr>
+        <p:spPr/>
+      </p:sp>
+      <p:sp>
+        <p:nvSpPr>
+          <p:cNvPr id="3" name="Notizenplatzhalter 2"/>
+          <p:cNvSpPr>
+            <a:spLocks noGrp="1"/>
+          </p:cNvSpPr>
+          <p:nvPr>
+            <p:ph type="body" idx="1"/>
+          </p:nvPr>
+        </p:nvSpPr>
+        <p:spPr/>
+        <p:txBody>
+          <a:bodyPr/>
+          <a:lstStyle/>
+          <a:p>
+            <a:endParaRPr lang="de-DE" dirty="0"/>
+          </a:p>
+        </p:txBody>
+      </p:sp>
+      <p:sp>
+        <p:nvSpPr>
+          <p:cNvPr id="4" name="Foliennummernplatzhalter 3"/>
+          <p:cNvSpPr>
+            <a:spLocks noGrp="1"/>
+          </p:cNvSpPr>
+          <p:nvPr>
+            <p:ph type="sldNum" sz="quarter" idx="10"/>
+          </p:nvPr>
+        </p:nvSpPr>
+        <p:spPr/>
+        <p:txBody>
+          <a:bodyPr/>
+          <a:lstStyle/>
+          <a:p>
+            <a:fld id="{6E317588-5DE5-4B62-953B-742D2484B4CB}" type="slidenum">
+              <a:rPr lang="de-DE" smtClean="0"/>
+              <a:t>18</a:t>
+            </a:fld>
+            <a:endParaRPr lang="de-DE"/>
+          </a:p>
+        </p:txBody>
+      </p:sp>
+    </p:spTree>
+    <p:extLst>
+      <p:ext uri="{BB962C8B-B14F-4D97-AF65-F5344CB8AC3E}">
+        <p14:creationId xmlns:p14="http://schemas.microsoft.com/office/powerpoint/2010/main" val="4167058987"/>
       </p:ext>
     </p:extLst>
   </p:cSld>
@@ -1406,7 +1499,7 @@
     </p:spTree>
     <p:extLst>
       <p:ext uri="{BB962C8B-B14F-4D97-AF65-F5344CB8AC3E}">
-        <p14:creationId xmlns:p14="http://schemas.microsoft.com/office/powerpoint/2010/main" val="3677194970"/>
+        <p14:creationId xmlns:p14="http://schemas.microsoft.com/office/powerpoint/2010/main" val="1509519733"/>
       </p:ext>
     </p:extLst>
   </p:cSld>
@@ -1460,11 +1553,7 @@
           <a:bodyPr/>
           <a:lstStyle/>
           <a:p>
-            <a:r>
-              <a:rPr lang="en-US" dirty="0" smtClean="0"/>
-              <a:t>Customizable waveform audio visualization built on top of Web Audio API and HTML5 Canvas. </a:t>
-            </a:r>
-            <a:endParaRPr lang="de-DE" dirty="0"/>
+            <a:endParaRPr lang="de-DE"/>
           </a:p>
         </p:txBody>
       </p:sp>
@@ -1494,7 +1583,7 @@
     </p:spTree>
     <p:extLst>
       <p:ext uri="{BB962C8B-B14F-4D97-AF65-F5344CB8AC3E}">
-        <p14:creationId xmlns:p14="http://schemas.microsoft.com/office/powerpoint/2010/main" val="1186926255"/>
+        <p14:creationId xmlns:p14="http://schemas.microsoft.com/office/powerpoint/2010/main" val="554876219"/>
       </p:ext>
     </p:extLst>
   </p:cSld>
@@ -1578,7 +1667,7 @@
     </p:spTree>
     <p:extLst>
       <p:ext uri="{BB962C8B-B14F-4D97-AF65-F5344CB8AC3E}">
-        <p14:creationId xmlns:p14="http://schemas.microsoft.com/office/powerpoint/2010/main" val="2835018539"/>
+        <p14:creationId xmlns:p14="http://schemas.microsoft.com/office/powerpoint/2010/main" val="3677194970"/>
       </p:ext>
     </p:extLst>
   </p:cSld>
@@ -1662,7 +1751,7 @@
     </p:spTree>
     <p:extLst>
       <p:ext uri="{BB962C8B-B14F-4D97-AF65-F5344CB8AC3E}">
-        <p14:creationId xmlns:p14="http://schemas.microsoft.com/office/powerpoint/2010/main" val="1509519733"/>
+        <p14:creationId xmlns:p14="http://schemas.microsoft.com/office/powerpoint/2010/main" val="2089713745"/>
       </p:ext>
     </p:extLst>
   </p:cSld>
@@ -1716,7 +1805,11 @@
           <a:bodyPr/>
           <a:lstStyle/>
           <a:p>
-            <a:endParaRPr lang="de-DE"/>
+            <a:r>
+              <a:rPr lang="en-US" dirty="0" smtClean="0"/>
+              <a:t>Customizable waveform audio visualization built on top of Web Audio API and HTML5 Canvas. </a:t>
+            </a:r>
+            <a:endParaRPr lang="de-DE" dirty="0"/>
           </a:p>
         </p:txBody>
       </p:sp>
@@ -1746,7 +1839,7 @@
     </p:spTree>
     <p:extLst>
       <p:ext uri="{BB962C8B-B14F-4D97-AF65-F5344CB8AC3E}">
-        <p14:creationId xmlns:p14="http://schemas.microsoft.com/office/powerpoint/2010/main" val="3308420493"/>
+        <p14:creationId xmlns:p14="http://schemas.microsoft.com/office/powerpoint/2010/main" val="1186926255"/>
       </p:ext>
     </p:extLst>
   </p:cSld>
@@ -1830,7 +1923,7 @@
     </p:spTree>
     <p:extLst>
       <p:ext uri="{BB962C8B-B14F-4D97-AF65-F5344CB8AC3E}">
-        <p14:creationId xmlns:p14="http://schemas.microsoft.com/office/powerpoint/2010/main" val="2089713745"/>
+        <p14:creationId xmlns:p14="http://schemas.microsoft.com/office/powerpoint/2010/main" val="2835018539"/>
       </p:ext>
     </p:extLst>
   </p:cSld>
@@ -1971,7 +2064,7 @@
           <a:p>
             <a:fld id="{D568B44E-3C71-41CF-8162-F585FEE94D92}" type="datetimeFigureOut">
               <a:rPr lang="de-DE" smtClean="0"/>
-              <a:t>09.06.2015</a:t>
+              <a:t>14.06.2015</a:t>
             </a:fld>
             <a:endParaRPr lang="de-DE"/>
           </a:p>
@@ -2141,7 +2234,7 @@
           <a:p>
             <a:fld id="{D568B44E-3C71-41CF-8162-F585FEE94D92}" type="datetimeFigureOut">
               <a:rPr lang="de-DE" smtClean="0"/>
-              <a:t>09.06.2015</a:t>
+              <a:t>14.06.2015</a:t>
             </a:fld>
             <a:endParaRPr lang="de-DE"/>
           </a:p>
@@ -2321,7 +2414,7 @@
           <a:p>
             <a:fld id="{D568B44E-3C71-41CF-8162-F585FEE94D92}" type="datetimeFigureOut">
               <a:rPr lang="de-DE" smtClean="0"/>
-              <a:t>09.06.2015</a:t>
+              <a:t>14.06.2015</a:t>
             </a:fld>
             <a:endParaRPr lang="de-DE"/>
           </a:p>
@@ -2491,7 +2584,7 @@
           <a:p>
             <a:fld id="{D568B44E-3C71-41CF-8162-F585FEE94D92}" type="datetimeFigureOut">
               <a:rPr lang="de-DE" smtClean="0"/>
-              <a:t>09.06.2015</a:t>
+              <a:t>14.06.2015</a:t>
             </a:fld>
             <a:endParaRPr lang="de-DE"/>
           </a:p>
@@ -2735,7 +2828,7 @@
           <a:p>
             <a:fld id="{D568B44E-3C71-41CF-8162-F585FEE94D92}" type="datetimeFigureOut">
               <a:rPr lang="de-DE" smtClean="0"/>
-              <a:t>09.06.2015</a:t>
+              <a:t>14.06.2015</a:t>
             </a:fld>
             <a:endParaRPr lang="de-DE"/>
           </a:p>
@@ -2967,7 +3060,7 @@
           <a:p>
             <a:fld id="{D568B44E-3C71-41CF-8162-F585FEE94D92}" type="datetimeFigureOut">
               <a:rPr lang="de-DE" smtClean="0"/>
-              <a:t>09.06.2015</a:t>
+              <a:t>14.06.2015</a:t>
             </a:fld>
             <a:endParaRPr lang="de-DE"/>
           </a:p>
@@ -3334,7 +3427,7 @@
           <a:p>
             <a:fld id="{D568B44E-3C71-41CF-8162-F585FEE94D92}" type="datetimeFigureOut">
               <a:rPr lang="de-DE" smtClean="0"/>
-              <a:t>09.06.2015</a:t>
+              <a:t>14.06.2015</a:t>
             </a:fld>
             <a:endParaRPr lang="de-DE"/>
           </a:p>
@@ -3452,7 +3545,7 @@
           <a:p>
             <a:fld id="{D568B44E-3C71-41CF-8162-F585FEE94D92}" type="datetimeFigureOut">
               <a:rPr lang="de-DE" smtClean="0"/>
-              <a:t>09.06.2015</a:t>
+              <a:t>14.06.2015</a:t>
             </a:fld>
             <a:endParaRPr lang="de-DE"/>
           </a:p>
@@ -3547,7 +3640,7 @@
           <a:p>
             <a:fld id="{D568B44E-3C71-41CF-8162-F585FEE94D92}" type="datetimeFigureOut">
               <a:rPr lang="de-DE" smtClean="0"/>
-              <a:t>09.06.2015</a:t>
+              <a:t>14.06.2015</a:t>
             </a:fld>
             <a:endParaRPr lang="de-DE"/>
           </a:p>
@@ -3824,7 +3917,7 @@
           <a:p>
             <a:fld id="{D568B44E-3C71-41CF-8162-F585FEE94D92}" type="datetimeFigureOut">
               <a:rPr lang="de-DE" smtClean="0"/>
-              <a:t>09.06.2015</a:t>
+              <a:t>14.06.2015</a:t>
             </a:fld>
             <a:endParaRPr lang="de-DE"/>
           </a:p>
@@ -4081,7 +4174,7 @@
           <a:p>
             <a:fld id="{D568B44E-3C71-41CF-8162-F585FEE94D92}" type="datetimeFigureOut">
               <a:rPr lang="de-DE" smtClean="0"/>
-              <a:t>09.06.2015</a:t>
+              <a:t>14.06.2015</a:t>
             </a:fld>
             <a:endParaRPr lang="de-DE"/>
           </a:p>
@@ -4294,7 +4387,7 @@
           <a:p>
             <a:fld id="{D568B44E-3C71-41CF-8162-F585FEE94D92}" type="datetimeFigureOut">
               <a:rPr lang="de-DE" smtClean="0"/>
-              <a:t>09.06.2015</a:t>
+              <a:t>14.06.2015</a:t>
             </a:fld>
             <a:endParaRPr lang="de-DE"/>
           </a:p>
@@ -4966,7 +5059,7 @@
                   </a:schemeClr>
                 </a:solidFill>
               </a:rPr>
-              <a:t>02.06.2015</a:t>
+              <a:t>16.06.2015</a:t>
             </a:r>
             <a:endParaRPr lang="de-DE" sz="1600" dirty="0">
               <a:solidFill>
@@ -5115,8 +5208,8 @@
         </p:nvSpPr>
         <p:spPr>
           <a:xfrm>
-            <a:off x="310191" y="1225370"/>
-            <a:ext cx="3837525" cy="646331"/>
+            <a:off x="312843" y="664260"/>
+            <a:ext cx="2872005" cy="646331"/>
           </a:xfrm>
           <a:prstGeom prst="rect">
             <a:avLst/>
@@ -5130,8 +5223,12 @@
           <a:lstStyle/>
           <a:p>
             <a:r>
+              <a:rPr lang="de-DE" sz="3600" b="1" dirty="0" err="1" smtClean="0"/>
+              <a:t>BBC‘s</a:t>
+            </a:r>
+            <a:r>
               <a:rPr lang="de-DE" sz="3600" b="1" dirty="0" smtClean="0"/>
-              <a:t>Optionale Features</a:t>
+              <a:t> Peaks.js</a:t>
             </a:r>
             <a:endParaRPr lang="de-DE" sz="3600" b="1" dirty="0"/>
           </a:p>
@@ -5160,6 +5257,30 @@
           </a:p>
         </p:txBody>
       </p:sp>
+      <p:pic>
+        <p:nvPicPr>
+          <p:cNvPr id="8" name="Grafik 7"/>
+          <p:cNvPicPr>
+            <a:picLocks noChangeAspect="1"/>
+          </p:cNvPicPr>
+          <p:nvPr/>
+        </p:nvPicPr>
+        <p:blipFill>
+          <a:blip r:embed="rId3"/>
+          <a:stretch>
+            <a:fillRect/>
+          </a:stretch>
+        </p:blipFill>
+        <p:spPr>
+          <a:xfrm>
+            <a:off x="1854779" y="1206165"/>
+            <a:ext cx="6057898" cy="5515311"/>
+          </a:xfrm>
+          <a:prstGeom prst="rect">
+            <a:avLst/>
+          </a:prstGeom>
+        </p:spPr>
+      </p:pic>
       <p:sp>
         <p:nvSpPr>
           <p:cNvPr id="7" name="Textfeld 6"/>
@@ -5168,8 +5289,8 @@
         </p:nvSpPr>
         <p:spPr>
           <a:xfrm>
-            <a:off x="902213" y="2685178"/>
-            <a:ext cx="7339573" cy="2246769"/>
+            <a:off x="278976" y="6352144"/>
+            <a:ext cx="1327543" cy="369332"/>
           </a:xfrm>
           <a:prstGeom prst="rect">
             <a:avLst/>
@@ -5177,64 +5298,27 @@
           <a:noFill/>
         </p:spPr>
         <p:txBody>
-          <a:bodyPr wrap="square" rtlCol="0">
+          <a:bodyPr wrap="none" rtlCol="0">
             <a:spAutoFit/>
           </a:bodyPr>
           <a:lstStyle/>
           <a:p>
-            <a:pPr marL="514350" indent="-514350">
-              <a:buFont typeface="+mj-lt"/>
-              <a:buAutoNum type="arabicPeriod"/>
-            </a:pPr>
-            <a:r>
-              <a:rPr lang="de-DE" sz="2800" dirty="0" smtClean="0"/>
-              <a:t>Login </a:t>
-            </a:r>
-          </a:p>
-          <a:p>
-            <a:pPr marL="514350" indent="-514350">
-              <a:buFont typeface="+mj-lt"/>
-              <a:buAutoNum type="arabicPeriod"/>
-            </a:pPr>
-            <a:r>
-              <a:rPr lang="de-DE" sz="2800" dirty="0" smtClean="0"/>
-              <a:t>Heuristiken</a:t>
-            </a:r>
-            <a:endParaRPr lang="de-DE" sz="2800" dirty="0"/>
-          </a:p>
-          <a:p>
-            <a:pPr marL="514350" indent="-514350">
-              <a:buFont typeface="+mj-lt"/>
-              <a:buAutoNum type="arabicPeriod"/>
-            </a:pPr>
-            <a:r>
-              <a:rPr lang="de-DE" sz="2800" dirty="0" smtClean="0"/>
-              <a:t>Exportieren der Metadaten</a:t>
-            </a:r>
-          </a:p>
-          <a:p>
-            <a:pPr marL="514350" indent="-514350">
-              <a:buFont typeface="+mj-lt"/>
-              <a:buAutoNum type="arabicPeriod"/>
-            </a:pPr>
-            <a:r>
-              <a:rPr lang="de-DE" sz="2800" dirty="0" smtClean="0"/>
-              <a:t>Erweiterung durch verschiedene Projekte</a:t>
-            </a:r>
-          </a:p>
-          <a:p>
-            <a:pPr marL="514350" indent="-514350">
-              <a:buFont typeface="+mj-lt"/>
-              <a:buAutoNum type="arabicPeriod"/>
-            </a:pPr>
-            <a:endParaRPr lang="de-DE" sz="2800" dirty="0" smtClean="0"/>
+            <a:r>
+              <a:rPr lang="de-DE" dirty="0"/>
+              <a:t>2</a:t>
+            </a:r>
+            <a:r>
+              <a:rPr lang="de-DE" dirty="0" smtClean="0"/>
+              <a:t>. Vorhaben</a:t>
+            </a:r>
+            <a:endParaRPr lang="de-DE" dirty="0"/>
           </a:p>
         </p:txBody>
       </p:sp>
     </p:spTree>
     <p:extLst>
       <p:ext uri="{BB962C8B-B14F-4D97-AF65-F5344CB8AC3E}">
-        <p14:creationId xmlns:p14="http://schemas.microsoft.com/office/powerpoint/2010/main" val="1326091962"/>
+        <p14:creationId xmlns:p14="http://schemas.microsoft.com/office/powerpoint/2010/main" val="4073026753"/>
       </p:ext>
     </p:extLst>
   </p:cSld>
@@ -5461,6 +5545,40 @@
           </a:prstGeom>
         </p:spPr>
       </p:pic>
+      <p:sp>
+        <p:nvSpPr>
+          <p:cNvPr id="9" name="Textfeld 8"/>
+          <p:cNvSpPr txBox="1"/>
+          <p:nvPr/>
+        </p:nvSpPr>
+        <p:spPr>
+          <a:xfrm>
+            <a:off x="278976" y="6352144"/>
+            <a:ext cx="1327543" cy="369332"/>
+          </a:xfrm>
+          <a:prstGeom prst="rect">
+            <a:avLst/>
+          </a:prstGeom>
+          <a:noFill/>
+        </p:spPr>
+        <p:txBody>
+          <a:bodyPr wrap="none" rtlCol="0">
+            <a:spAutoFit/>
+          </a:bodyPr>
+          <a:lstStyle/>
+          <a:p>
+            <a:r>
+              <a:rPr lang="de-DE" dirty="0"/>
+              <a:t>2</a:t>
+            </a:r>
+            <a:r>
+              <a:rPr lang="de-DE" dirty="0" smtClean="0"/>
+              <a:t>. Vorhaben</a:t>
+            </a:r>
+            <a:endParaRPr lang="de-DE" dirty="0"/>
+          </a:p>
+        </p:txBody>
+      </p:sp>
     </p:spTree>
     <p:extLst>
       <p:ext uri="{BB962C8B-B14F-4D97-AF65-F5344CB8AC3E}">
@@ -5599,7 +5717,7 @@
         <p:spPr>
           <a:xfrm>
             <a:off x="310191" y="1225370"/>
-            <a:ext cx="5726761" cy="646331"/>
+            <a:ext cx="2493055" cy="646331"/>
           </a:xfrm>
           <a:prstGeom prst="rect">
             <a:avLst/>
@@ -5614,7 +5732,7 @@
           <a:p>
             <a:r>
               <a:rPr lang="de-DE" sz="3600" b="1" dirty="0" smtClean="0"/>
-              <a:t>Stakeholder und Zielgruppen</a:t>
+              <a:t>Meta-Daten</a:t>
             </a:r>
             <a:endParaRPr lang="de-DE" sz="3600" b="1" dirty="0"/>
           </a:p>
@@ -5645,14 +5763,14 @@
       </p:sp>
       <p:sp>
         <p:nvSpPr>
-          <p:cNvPr id="7" name="Textfeld 6"/>
+          <p:cNvPr id="8" name="Textfeld 7"/>
           <p:cNvSpPr txBox="1"/>
           <p:nvPr/>
         </p:nvSpPr>
         <p:spPr>
           <a:xfrm>
-            <a:off x="902213" y="2685178"/>
-            <a:ext cx="7339573" cy="2677656"/>
+            <a:off x="278976" y="6352144"/>
+            <a:ext cx="1327543" cy="369332"/>
           </a:xfrm>
           <a:prstGeom prst="rect">
             <a:avLst/>
@@ -5660,75 +5778,50 @@
           <a:noFill/>
         </p:spPr>
         <p:txBody>
-          <a:bodyPr wrap="square" rtlCol="0">
+          <a:bodyPr wrap="none" rtlCol="0">
             <a:spAutoFit/>
           </a:bodyPr>
           <a:lstStyle/>
           <a:p>
             <a:r>
-              <a:rPr lang="de-DE" sz="2800" dirty="0" smtClean="0"/>
-              <a:t>-    Universitätsbibliothek </a:t>
-            </a:r>
-            <a:endParaRPr lang="de-DE" sz="2800" dirty="0" smtClean="0"/>
-          </a:p>
-          <a:p>
-            <a:pPr marL="457200" indent="-457200">
-              <a:buFontTx/>
-              <a:buChar char="-"/>
-            </a:pPr>
-            <a:r>
-              <a:rPr lang="de-DE" sz="2800" dirty="0" smtClean="0"/>
-              <a:t>Interessierte Laien</a:t>
-            </a:r>
-          </a:p>
-          <a:p>
-            <a:pPr marL="457200" indent="-457200">
-              <a:buFontTx/>
-              <a:buChar char="-"/>
-            </a:pPr>
-            <a:r>
-              <a:rPr lang="de-DE" sz="2800" dirty="0" smtClean="0"/>
-              <a:t>Studentische Hilfskräfte</a:t>
-            </a:r>
-          </a:p>
-          <a:p>
-            <a:pPr marL="457200" indent="-457200">
-              <a:buFontTx/>
-              <a:buChar char="-"/>
-            </a:pPr>
-            <a:r>
-              <a:rPr lang="de-DE" sz="2800" dirty="0" smtClean="0"/>
-              <a:t>Wissenschaftliche Mitarbeiter der Uni-</a:t>
-            </a:r>
-            <a:r>
-              <a:rPr lang="de-DE" sz="2800" dirty="0" err="1" smtClean="0"/>
-              <a:t>Bib</a:t>
-            </a:r>
-            <a:endParaRPr lang="de-DE" sz="2800" dirty="0"/>
-          </a:p>
-          <a:p>
-            <a:pPr marL="457200" indent="-457200">
-              <a:buFontTx/>
-              <a:buChar char="-"/>
-            </a:pPr>
-            <a:r>
-              <a:rPr lang="de-DE" sz="2800" dirty="0" smtClean="0"/>
-              <a:t>Am Thema interessierte Wissenschaftler</a:t>
-            </a:r>
-            <a:endParaRPr lang="de-DE" sz="2800" dirty="0" smtClean="0"/>
-          </a:p>
-          <a:p>
-            <a:r>
-              <a:rPr lang="de-DE" sz="2800" dirty="0" smtClean="0"/>
-              <a:t> </a:t>
-            </a:r>
-          </a:p>
-        </p:txBody>
-      </p:sp>
+              <a:rPr lang="de-DE" dirty="0"/>
+              <a:t>2</a:t>
+            </a:r>
+            <a:r>
+              <a:rPr lang="de-DE" dirty="0" smtClean="0"/>
+              <a:t>. Vorhaben</a:t>
+            </a:r>
+            <a:endParaRPr lang="de-DE" dirty="0"/>
+          </a:p>
+        </p:txBody>
+      </p:sp>
+      <p:pic>
+        <p:nvPicPr>
+          <p:cNvPr id="5" name="Grafik 4"/>
+          <p:cNvPicPr>
+            <a:picLocks noChangeAspect="1"/>
+          </p:cNvPicPr>
+          <p:nvPr/>
+        </p:nvPicPr>
+        <p:blipFill rotWithShape="1">
+          <a:blip r:embed="rId3"/>
+          <a:srcRect r="35312"/>
+          <a:stretch/>
+        </p:blipFill>
+        <p:spPr>
+          <a:xfrm>
+            <a:off x="597932" y="1998206"/>
+            <a:ext cx="7917418" cy="4227433"/>
+          </a:xfrm>
+          <a:prstGeom prst="rect">
+            <a:avLst/>
+          </a:prstGeom>
+        </p:spPr>
+      </p:pic>
     </p:spTree>
     <p:extLst>
       <p:ext uri="{BB962C8B-B14F-4D97-AF65-F5344CB8AC3E}">
-        <p14:creationId xmlns:p14="http://schemas.microsoft.com/office/powerpoint/2010/main" val="3242942200"/>
+        <p14:creationId xmlns:p14="http://schemas.microsoft.com/office/powerpoint/2010/main" val="3599283958"/>
       </p:ext>
     </p:extLst>
   </p:cSld>
@@ -5862,8 +5955,8 @@
         </p:nvSpPr>
         <p:spPr>
           <a:xfrm>
-            <a:off x="310191" y="1225370"/>
-            <a:ext cx="3802003" cy="646331"/>
+            <a:off x="562225" y="643478"/>
+            <a:ext cx="2980624" cy="646331"/>
           </a:xfrm>
           <a:prstGeom prst="rect">
             <a:avLst/>
@@ -5877,8 +5970,12 @@
           <a:lstStyle/>
           <a:p>
             <a:r>
-              <a:rPr lang="de-DE" sz="3600" b="1" smtClean="0"/>
-              <a:t>Technische Hürden</a:t>
+              <a:rPr lang="de-DE" sz="3600" b="1" dirty="0" smtClean="0"/>
+              <a:t>Erstes </a:t>
+            </a:r>
+            <a:r>
+              <a:rPr lang="de-DE" sz="3600" b="1" dirty="0" err="1" smtClean="0"/>
+              <a:t>Mockup</a:t>
             </a:r>
             <a:endParaRPr lang="de-DE" sz="3600" b="1" dirty="0"/>
           </a:p>
@@ -5907,16 +6004,46 @@
           </a:p>
         </p:txBody>
       </p:sp>
-      <p:sp>
-        <p:nvSpPr>
-          <p:cNvPr id="7" name="Textfeld 6"/>
+      <p:pic>
+        <p:nvPicPr>
+          <p:cNvPr id="7" name="Grafik 6"/>
+          <p:cNvPicPr>
+            <a:picLocks noChangeAspect="1"/>
+          </p:cNvPicPr>
+          <p:nvPr/>
+        </p:nvPicPr>
+        <p:blipFill>
+          <a:blip r:embed="rId3">
+            <a:extLst>
+              <a:ext uri="{28A0092B-C50C-407E-A947-70E740481C1C}">
+                <a14:useLocalDpi xmlns:a14="http://schemas.microsoft.com/office/drawing/2010/main" val="0"/>
+              </a:ext>
+            </a:extLst>
+          </a:blip>
+          <a:stretch>
+            <a:fillRect/>
+          </a:stretch>
+        </p:blipFill>
+        <p:spPr>
+          <a:xfrm>
+            <a:off x="1849582" y="1361018"/>
+            <a:ext cx="6052703" cy="5360458"/>
+          </a:xfrm>
+          <a:prstGeom prst="rect">
+            <a:avLst/>
+          </a:prstGeom>
+        </p:spPr>
+      </p:pic>
+      <p:sp>
+        <p:nvSpPr>
+          <p:cNvPr id="8" name="Textfeld 7"/>
           <p:cNvSpPr txBox="1"/>
           <p:nvPr/>
         </p:nvSpPr>
         <p:spPr>
           <a:xfrm>
-            <a:off x="902213" y="2685178"/>
-            <a:ext cx="7339573" cy="1815882"/>
+            <a:off x="278976" y="6352144"/>
+            <a:ext cx="1327543" cy="369332"/>
           </a:xfrm>
           <a:prstGeom prst="rect">
             <a:avLst/>
@@ -5924,46 +6051,27 @@
           <a:noFill/>
         </p:spPr>
         <p:txBody>
-          <a:bodyPr wrap="square" rtlCol="0">
+          <a:bodyPr wrap="none" rtlCol="0">
             <a:spAutoFit/>
           </a:bodyPr>
           <a:lstStyle/>
           <a:p>
-            <a:endParaRPr lang="de-DE" sz="2800" dirty="0" smtClean="0"/>
-          </a:p>
-          <a:p>
-            <a:pPr marL="457200" indent="-457200">
-              <a:buFont typeface="Symbol" panose="05050102010706020507" pitchFamily="18" charset="2"/>
-              <a:buChar char="-"/>
-            </a:pPr>
-            <a:r>
-              <a:rPr lang="de-DE" sz="2800" dirty="0" smtClean="0"/>
-              <a:t>Art und Weise des Speicherns?</a:t>
-            </a:r>
-          </a:p>
-          <a:p>
-            <a:pPr marL="457200" indent="-457200">
-              <a:buFont typeface="Symbol" panose="05050102010706020507" pitchFamily="18" charset="2"/>
-              <a:buChar char="-"/>
-            </a:pPr>
-            <a:r>
-              <a:rPr lang="de-DE" sz="2800" dirty="0" smtClean="0"/>
-              <a:t>Login?</a:t>
-            </a:r>
-          </a:p>
-          <a:p>
-            <a:pPr marL="457200" indent="-457200">
-              <a:buFont typeface="Symbol" panose="05050102010706020507" pitchFamily="18" charset="2"/>
-              <a:buChar char="-"/>
-            </a:pPr>
-            <a:endParaRPr lang="de-DE" sz="2800" dirty="0" smtClean="0"/>
+            <a:r>
+              <a:rPr lang="de-DE" dirty="0"/>
+              <a:t>2</a:t>
+            </a:r>
+            <a:r>
+              <a:rPr lang="de-DE" dirty="0" smtClean="0"/>
+              <a:t>. Vorhaben</a:t>
+            </a:r>
+            <a:endParaRPr lang="de-DE" dirty="0"/>
           </a:p>
         </p:txBody>
       </p:sp>
     </p:spTree>
     <p:extLst>
       <p:ext uri="{BB962C8B-B14F-4D97-AF65-F5344CB8AC3E}">
-        <p14:creationId xmlns:p14="http://schemas.microsoft.com/office/powerpoint/2010/main" val="2093766798"/>
+        <p14:creationId xmlns:p14="http://schemas.microsoft.com/office/powerpoint/2010/main" val="1114001791"/>
       </p:ext>
     </p:extLst>
   </p:cSld>
@@ -6098,7 +6206,7 @@
         <p:spPr>
           <a:xfrm>
             <a:off x="310191" y="1225370"/>
-            <a:ext cx="1743811" cy="646331"/>
+            <a:ext cx="2912016" cy="646331"/>
           </a:xfrm>
           <a:prstGeom prst="rect">
             <a:avLst/>
@@ -6113,7 +6221,7 @@
           <a:p>
             <a:r>
               <a:rPr lang="de-DE" sz="3600" b="1" dirty="0" smtClean="0"/>
-              <a:t>Zeitplan</a:t>
+              <a:t>Offene Stellen</a:t>
             </a:r>
             <a:endParaRPr lang="de-DE" sz="3600" b="1" dirty="0"/>
           </a:p>
@@ -6151,7 +6259,7 @@
         <p:spPr>
           <a:xfrm>
             <a:off x="902213" y="2685178"/>
-            <a:ext cx="7339573" cy="8710077"/>
+            <a:ext cx="7339573" cy="2246769"/>
           </a:xfrm>
           <a:prstGeom prst="rect">
             <a:avLst/>
@@ -6165,193 +6273,117 @@
           <a:lstStyle/>
           <a:p>
             <a:pPr marL="457200" indent="-457200">
-              <a:buFontTx/>
+              <a:buFont typeface="Symbol" panose="05050102010706020507" pitchFamily="18" charset="2"/>
               <a:buChar char="-"/>
             </a:pPr>
             <a:r>
               <a:rPr lang="de-DE" sz="2800" dirty="0" smtClean="0"/>
-              <a:t>Ende April: Stakeholder, dann Recherche, SRS, Peaks, BBC, </a:t>
-            </a:r>
-            <a:r>
-              <a:rPr lang="de-DE" sz="2800" dirty="0" smtClean="0">
-                <a:sym typeface="Wingdings" panose="05000000000000000000" pitchFamily="2" charset="2"/>
-              </a:rPr>
-              <a:t> tiefere Recherche, Implementierung beginnt</a:t>
+              <a:t>Art </a:t>
             </a:r>
             <a:r>
               <a:rPr lang="de-DE" sz="2800" dirty="0" smtClean="0"/>
-              <a:t> </a:t>
+              <a:t>und Weise des </a:t>
+            </a:r>
+            <a:r>
+              <a:rPr lang="de-DE" sz="2800" dirty="0" smtClean="0"/>
+              <a:t>Speicherns</a:t>
             </a:r>
             <a:endParaRPr lang="de-DE" sz="2800" dirty="0" smtClean="0"/>
           </a:p>
           <a:p>
             <a:pPr marL="457200" indent="-457200">
-              <a:buFontTx/>
+              <a:buFont typeface="Symbol" panose="05050102010706020507" pitchFamily="18" charset="2"/>
               <a:buChar char="-"/>
             </a:pPr>
             <a:r>
               <a:rPr lang="de-DE" sz="2800" dirty="0" smtClean="0"/>
-              <a:t>Funktioniert:</a:t>
+              <a:t>Login</a:t>
             </a:r>
           </a:p>
           <a:p>
             <a:pPr marL="457200" indent="-457200">
-              <a:buFontTx/>
+              <a:buFont typeface="Symbol" panose="05050102010706020507" pitchFamily="18" charset="2"/>
               <a:buChar char="-"/>
             </a:pPr>
             <a:r>
+              <a:rPr lang="de-DE" sz="2800" dirty="0" smtClean="0"/>
+              <a:t>SSL Verschlüsselung</a:t>
+            </a:r>
+          </a:p>
+          <a:p>
+            <a:pPr marL="457200" indent="-457200">
+              <a:buFont typeface="Symbol" panose="05050102010706020507" pitchFamily="18" charset="2"/>
+              <a:buChar char="-"/>
+            </a:pPr>
+            <a:r>
+              <a:rPr lang="de-DE" sz="2800" dirty="0" smtClean="0"/>
+              <a:t>Datenbank-Struktur  (</a:t>
+            </a:r>
+            <a:r>
               <a:rPr lang="de-DE" sz="2800" dirty="0" err="1" smtClean="0"/>
-              <a:t>Waveformdata</a:t>
+              <a:t>mySQL</a:t>
             </a:r>
             <a:r>
               <a:rPr lang="de-DE" sz="2800" dirty="0" smtClean="0"/>
-              <a:t> (Darstellung der </a:t>
+              <a:t>, </a:t>
             </a:r>
             <a:r>
               <a:rPr lang="de-DE" sz="2800" dirty="0" err="1" smtClean="0"/>
-              <a:t>Waveform</a:t>
+              <a:t>PostgreSQL</a:t>
             </a:r>
             <a:r>
               <a:rPr lang="de-DE" sz="2800" dirty="0" smtClean="0"/>
               <a:t>)</a:t>
             </a:r>
+            <a:endParaRPr lang="de-DE" sz="2800" dirty="0" smtClean="0"/>
           </a:p>
           <a:p>
             <a:pPr marL="457200" indent="-457200">
-              <a:buFontTx/>
-              <a:buChar char="-"/>
-            </a:pPr>
-            <a:r>
-              <a:rPr lang="de-DE" sz="2800" dirty="0" smtClean="0"/>
-              <a:t>Abspielen der Audiodaten</a:t>
-            </a:r>
-          </a:p>
-          <a:p>
-            <a:pPr marL="457200" indent="-457200">
-              <a:buFontTx/>
-              <a:buChar char="-"/>
-            </a:pPr>
-            <a:r>
-              <a:rPr lang="de-DE" sz="2800" dirty="0" smtClean="0"/>
-              <a:t>Setzen von Markierungen</a:t>
-            </a:r>
-          </a:p>
-          <a:p>
-            <a:pPr marL="457200" indent="-457200">
-              <a:buFontTx/>
-              <a:buChar char="-"/>
-            </a:pPr>
-            <a:r>
-              <a:rPr lang="de-DE" sz="2800" dirty="0" smtClean="0"/>
-              <a:t>Nächste Schritte: </a:t>
-            </a:r>
-          </a:p>
-          <a:p>
-            <a:pPr marL="457200" indent="-457200">
-              <a:buFontTx/>
-              <a:buChar char="-"/>
-            </a:pPr>
-            <a:r>
-              <a:rPr lang="de-DE" sz="2800" dirty="0" smtClean="0"/>
-              <a:t>Datenbankanbindung/ Datenbankerzeugung –Ende Juni</a:t>
-            </a:r>
-          </a:p>
-          <a:p>
-            <a:r>
-              <a:rPr lang="de-DE" sz="2800" dirty="0" smtClean="0"/>
-              <a:t>-    </a:t>
-            </a:r>
-            <a:r>
-              <a:rPr lang="de-DE" sz="2800" dirty="0" err="1" smtClean="0"/>
-              <a:t>Allgeime</a:t>
-            </a:r>
-            <a:r>
-              <a:rPr lang="de-DE" sz="2800" dirty="0" smtClean="0"/>
-              <a:t> Programmieraufgaben</a:t>
-            </a:r>
-          </a:p>
-          <a:p>
-            <a:pPr marL="457200" indent="-457200">
-              <a:buFontTx/>
-              <a:buChar char="-"/>
-            </a:pPr>
-            <a:r>
-              <a:rPr lang="de-DE" sz="2800" dirty="0" smtClean="0"/>
-              <a:t>Metadateneinbindung Ende Juni</a:t>
-            </a:r>
-          </a:p>
-          <a:p>
-            <a:pPr marL="457200" indent="-457200">
-              <a:buFontTx/>
-              <a:buChar char="-"/>
-            </a:pPr>
-            <a:r>
-              <a:rPr lang="de-DE" sz="2800" dirty="0" smtClean="0"/>
-              <a:t>UI + Projektmanagement</a:t>
-            </a:r>
-          </a:p>
-          <a:p>
-            <a:pPr marL="457200" indent="-457200">
-              <a:buFontTx/>
-              <a:buChar char="-"/>
-            </a:pPr>
-            <a:r>
-              <a:rPr lang="de-DE" sz="2800" dirty="0" smtClean="0"/>
-              <a:t>1. Testfähige Version Anfang August</a:t>
-            </a:r>
-          </a:p>
-          <a:p>
-            <a:pPr marL="457200" indent="-457200">
-              <a:buFontTx/>
-              <a:buChar char="-"/>
-            </a:pPr>
-            <a:r>
-              <a:rPr lang="de-DE" sz="2800" dirty="0" smtClean="0"/>
-              <a:t>Usability Test</a:t>
-            </a:r>
-          </a:p>
-          <a:p>
-            <a:pPr marL="457200" indent="-457200">
-              <a:buFontTx/>
-              <a:buChar char="-"/>
-            </a:pPr>
-            <a:r>
-              <a:rPr lang="de-DE" sz="2800" dirty="0" smtClean="0"/>
-              <a:t>Verbesserungen miteinbeziehen</a:t>
-            </a:r>
-          </a:p>
-          <a:p>
-            <a:pPr marL="457200" indent="-457200">
-              <a:buFontTx/>
-              <a:buChar char="-"/>
-            </a:pPr>
-            <a:r>
-              <a:rPr lang="de-DE" sz="2800" dirty="0" smtClean="0"/>
-              <a:t>Abgabe der Arbeit</a:t>
-            </a:r>
-          </a:p>
-          <a:p>
-            <a:pPr marL="457200" indent="-457200">
-              <a:buFontTx/>
+              <a:buFont typeface="Symbol" panose="05050102010706020507" pitchFamily="18" charset="2"/>
               <a:buChar char="-"/>
             </a:pPr>
             <a:endParaRPr lang="de-DE" sz="2800" dirty="0" smtClean="0"/>
           </a:p>
-          <a:p>
-            <a:endParaRPr lang="de-DE" sz="2800" dirty="0" smtClean="0"/>
-          </a:p>
-          <a:p>
-            <a:r>
-              <a:rPr lang="de-DE" sz="2800" dirty="0" smtClean="0"/>
-              <a:t> </a:t>
-            </a:r>
+        </p:txBody>
+      </p:sp>
+      <p:sp>
+        <p:nvSpPr>
+          <p:cNvPr id="8" name="Textfeld 7"/>
+          <p:cNvSpPr txBox="1"/>
+          <p:nvPr/>
+        </p:nvSpPr>
+        <p:spPr>
+          <a:xfrm>
+            <a:off x="278976" y="6352144"/>
+            <a:ext cx="1327543" cy="369332"/>
+          </a:xfrm>
+          <a:prstGeom prst="rect">
+            <a:avLst/>
+          </a:prstGeom>
+          <a:noFill/>
+        </p:spPr>
+        <p:txBody>
+          <a:bodyPr wrap="none" rtlCol="0">
+            <a:spAutoFit/>
+          </a:bodyPr>
+          <a:lstStyle/>
+          <a:p>
+            <a:r>
+              <a:rPr lang="de-DE" dirty="0"/>
+              <a:t>2</a:t>
+            </a:r>
+            <a:r>
+              <a:rPr lang="de-DE" dirty="0" smtClean="0"/>
+              <a:t>. Vorhaben</a:t>
+            </a:r>
+            <a:endParaRPr lang="de-DE" dirty="0"/>
           </a:p>
         </p:txBody>
       </p:sp>
     </p:spTree>
     <p:extLst>
       <p:ext uri="{BB962C8B-B14F-4D97-AF65-F5344CB8AC3E}">
-        <p14:creationId xmlns:p14="http://schemas.microsoft.com/office/powerpoint/2010/main" val="2133853676"/>
+        <p14:creationId xmlns:p14="http://schemas.microsoft.com/office/powerpoint/2010/main" val="2093766798"/>
       </p:ext>
     </p:extLst>
   </p:cSld>
@@ -6486,7 +6518,7 @@
         <p:spPr>
           <a:xfrm>
             <a:off x="310191" y="1225370"/>
-            <a:ext cx="4261808" cy="646331"/>
+            <a:ext cx="4402744" cy="646331"/>
           </a:xfrm>
           <a:prstGeom prst="rect">
             <a:avLst/>
@@ -6501,7 +6533,7 @@
           <a:p>
             <a:r>
               <a:rPr lang="de-DE" sz="3600" b="1" dirty="0" smtClean="0"/>
-              <a:t>Meta-Data Standards</a:t>
+              <a:t>Was schon passiert ist</a:t>
             </a:r>
             <a:endParaRPr lang="de-DE" sz="3600" b="1" dirty="0"/>
           </a:p>
@@ -6532,14 +6564,48 @@
       </p:sp>
       <p:sp>
         <p:nvSpPr>
-          <p:cNvPr id="7" name="Textfeld 6"/>
+          <p:cNvPr id="8" name="Textfeld 7"/>
           <p:cNvSpPr txBox="1"/>
           <p:nvPr/>
         </p:nvSpPr>
         <p:spPr>
           <a:xfrm>
-            <a:off x="902213" y="2685178"/>
-            <a:ext cx="7339573" cy="2677656"/>
+            <a:off x="278976" y="6352144"/>
+            <a:ext cx="2698367" cy="369332"/>
+          </a:xfrm>
+          <a:prstGeom prst="rect">
+            <a:avLst/>
+          </a:prstGeom>
+          <a:noFill/>
+        </p:spPr>
+        <p:txBody>
+          <a:bodyPr wrap="none" rtlCol="0">
+            <a:spAutoFit/>
+          </a:bodyPr>
+          <a:lstStyle/>
+          <a:p>
+            <a:r>
+              <a:rPr lang="de-DE" dirty="0"/>
+              <a:t>2</a:t>
+            </a:r>
+            <a:r>
+              <a:rPr lang="de-DE" dirty="0" smtClean="0"/>
+              <a:t>. Geschehenes/Geplantes</a:t>
+            </a:r>
+            <a:endParaRPr lang="de-DE" dirty="0"/>
+          </a:p>
+        </p:txBody>
+      </p:sp>
+      <p:sp>
+        <p:nvSpPr>
+          <p:cNvPr id="9" name="Textfeld 8"/>
+          <p:cNvSpPr txBox="1"/>
+          <p:nvPr/>
+        </p:nvSpPr>
+        <p:spPr>
+          <a:xfrm>
+            <a:off x="404477" y="2126763"/>
+            <a:ext cx="8335045" cy="3970318"/>
           </a:xfrm>
           <a:prstGeom prst="rect">
             <a:avLst/>
@@ -6551,6 +6617,12 @@
             <a:spAutoFit/>
           </a:bodyPr>
           <a:lstStyle/>
+          <a:p>
+            <a:r>
+              <a:rPr lang="de-DE" sz="2800" b="1" dirty="0" smtClean="0"/>
+              <a:t>Vorarbeit</a:t>
+            </a:r>
+          </a:p>
           <a:p>
             <a:pPr marL="457200" indent="-457200">
               <a:buFontTx/>
@@ -6558,7 +6630,7 @@
             </a:pPr>
             <a:r>
               <a:rPr lang="de-DE" sz="2800" dirty="0" smtClean="0"/>
-              <a:t>iTunes Music Data Standards</a:t>
+              <a:t>Treffen mit dem Stakeholder und Betreuer</a:t>
             </a:r>
           </a:p>
           <a:p>
@@ -6568,7 +6640,7 @@
             </a:pPr>
             <a:r>
               <a:rPr lang="de-DE" sz="2800" dirty="0" smtClean="0"/>
-              <a:t>ID3 Tags für MP3</a:t>
+              <a:t>Einarbeitung in das Thema</a:t>
             </a:r>
           </a:p>
           <a:p>
@@ -6578,7 +6650,7 @@
             </a:pPr>
             <a:r>
               <a:rPr lang="de-DE" sz="2800" dirty="0" smtClean="0"/>
-              <a:t>MPEG-7</a:t>
+              <a:t>Recherchearbeiten (Peaks, Audiosurfer)</a:t>
             </a:r>
           </a:p>
           <a:p>
@@ -6588,7 +6660,7 @@
             </a:pPr>
             <a:r>
               <a:rPr lang="de-DE" sz="2800" dirty="0" smtClean="0"/>
-              <a:t>Dublin Core</a:t>
+              <a:t>SRS geschrieben</a:t>
             </a:r>
           </a:p>
           <a:p>
@@ -6597,19 +6669,42 @@
               <a:buChar char="-"/>
             </a:pPr>
             <a:r>
-              <a:rPr lang="de-DE" sz="2800" b="1" dirty="0"/>
-              <a:t>Broadcast Wave </a:t>
-            </a:r>
+              <a:rPr lang="de-DE" sz="2800" dirty="0" smtClean="0"/>
+              <a:t>Server beantragt und erste Versuche darauf gemacht</a:t>
+            </a:r>
+          </a:p>
+          <a:p>
+            <a:pPr marL="457200" indent="-457200">
+              <a:buFontTx/>
+              <a:buChar char="-"/>
+            </a:pPr>
+            <a:r>
+              <a:rPr lang="de-DE" sz="2800" dirty="0" smtClean="0"/>
+              <a:t>MS Projekt angelegt</a:t>
+            </a:r>
+          </a:p>
+          <a:p>
             <a:r>
               <a:rPr lang="de-DE" sz="2800" b="1" dirty="0" smtClean="0"/>
-              <a:t>Format</a:t>
-            </a:r>
-            <a:endParaRPr lang="de-DE" sz="2800" dirty="0" smtClean="0"/>
-          </a:p>
-          <a:p>
+              <a:t>Implementierung</a:t>
+            </a:r>
+          </a:p>
+          <a:p>
+            <a:pPr marL="457200" indent="-457200">
+              <a:buFontTx/>
+              <a:buChar char="-"/>
+            </a:pPr>
             <a:r>
               <a:rPr lang="de-DE" sz="2800" dirty="0" smtClean="0"/>
-              <a:t> </a:t>
+              <a:t>Einbindung „</a:t>
+            </a:r>
+            <a:r>
+              <a:rPr lang="de-DE" sz="2800" dirty="0" err="1" smtClean="0"/>
+              <a:t>Audiowaveform</a:t>
+            </a:r>
+            <a:r>
+              <a:rPr lang="de-DE" sz="2800" dirty="0" smtClean="0"/>
+              <a:t>“</a:t>
             </a:r>
           </a:p>
         </p:txBody>
@@ -6617,7 +6712,7 @@
     </p:spTree>
     <p:extLst>
       <p:ext uri="{BB962C8B-B14F-4D97-AF65-F5344CB8AC3E}">
-        <p14:creationId xmlns:p14="http://schemas.microsoft.com/office/powerpoint/2010/main" val="4125696935"/>
+        <p14:creationId xmlns:p14="http://schemas.microsoft.com/office/powerpoint/2010/main" val="2133853676"/>
       </p:ext>
     </p:extLst>
   </p:cSld>
@@ -6751,8 +6846,8 @@
         </p:nvSpPr>
         <p:spPr>
           <a:xfrm>
-            <a:off x="562225" y="643478"/>
-            <a:ext cx="2980624" cy="646331"/>
+            <a:off x="310191" y="1225370"/>
+            <a:ext cx="3151504" cy="646331"/>
           </a:xfrm>
           <a:prstGeom prst="rect">
             <a:avLst/>
@@ -6767,11 +6862,7 @@
           <a:p>
             <a:r>
               <a:rPr lang="de-DE" sz="3600" b="1" dirty="0" smtClean="0"/>
-              <a:t>Erstes </a:t>
-            </a:r>
-            <a:r>
-              <a:rPr lang="de-DE" sz="3600" b="1" dirty="0" err="1" smtClean="0"/>
-              <a:t>Mockup</a:t>
+              <a:t>Aktueller Stand</a:t>
             </a:r>
             <a:endParaRPr lang="de-DE" sz="3600" b="1" dirty="0"/>
           </a:p>
@@ -6800,40 +6891,73 @@
           </a:p>
         </p:txBody>
       </p:sp>
-      <p:pic>
-        <p:nvPicPr>
-          <p:cNvPr id="7" name="Grafik 6"/>
-          <p:cNvPicPr>
-            <a:picLocks noChangeAspect="1"/>
-          </p:cNvPicPr>
-          <p:nvPr/>
-        </p:nvPicPr>
-        <p:blipFill>
-          <a:blip r:embed="rId3">
-            <a:extLst>
-              <a:ext uri="{28A0092B-C50C-407E-A947-70E740481C1C}">
-                <a14:useLocalDpi xmlns:a14="http://schemas.microsoft.com/office/drawing/2010/main" val="0"/>
-              </a:ext>
-            </a:extLst>
-          </a:blip>
-          <a:stretch>
-            <a:fillRect/>
-          </a:stretch>
-        </p:blipFill>
-        <p:spPr>
-          <a:xfrm>
-            <a:off x="1319645" y="1361018"/>
-            <a:ext cx="6052703" cy="5360458"/>
-          </a:xfrm>
-          <a:prstGeom prst="rect">
-            <a:avLst/>
-          </a:prstGeom>
-        </p:spPr>
-      </p:pic>
+      <p:sp>
+        <p:nvSpPr>
+          <p:cNvPr id="8" name="Textfeld 7"/>
+          <p:cNvSpPr txBox="1"/>
+          <p:nvPr/>
+        </p:nvSpPr>
+        <p:spPr>
+          <a:xfrm>
+            <a:off x="278976" y="6352144"/>
+            <a:ext cx="2698367" cy="369332"/>
+          </a:xfrm>
+          <a:prstGeom prst="rect">
+            <a:avLst/>
+          </a:prstGeom>
+          <a:noFill/>
+        </p:spPr>
+        <p:txBody>
+          <a:bodyPr wrap="none" rtlCol="0">
+            <a:spAutoFit/>
+          </a:bodyPr>
+          <a:lstStyle/>
+          <a:p>
+            <a:r>
+              <a:rPr lang="de-DE" dirty="0"/>
+              <a:t>2</a:t>
+            </a:r>
+            <a:r>
+              <a:rPr lang="de-DE" dirty="0" smtClean="0"/>
+              <a:t>. Geschehenes/Geplantes</a:t>
+            </a:r>
+            <a:endParaRPr lang="de-DE" dirty="0"/>
+          </a:p>
+        </p:txBody>
+      </p:sp>
+      <p:sp>
+        <p:nvSpPr>
+          <p:cNvPr id="9" name="Textfeld 8"/>
+          <p:cNvSpPr txBox="1"/>
+          <p:nvPr/>
+        </p:nvSpPr>
+        <p:spPr>
+          <a:xfrm>
+            <a:off x="3614501" y="3427756"/>
+            <a:ext cx="2422618" cy="523220"/>
+          </a:xfrm>
+          <a:prstGeom prst="rect">
+            <a:avLst/>
+          </a:prstGeom>
+          <a:noFill/>
+        </p:spPr>
+        <p:txBody>
+          <a:bodyPr wrap="square" rtlCol="0">
+            <a:spAutoFit/>
+          </a:bodyPr>
+          <a:lstStyle/>
+          <a:p>
+            <a:r>
+              <a:rPr lang="de-DE" sz="2800" dirty="0" smtClean="0"/>
+              <a:t>Live Demo</a:t>
+            </a:r>
+          </a:p>
+        </p:txBody>
+      </p:sp>
     </p:spTree>
     <p:extLst>
       <p:ext uri="{BB962C8B-B14F-4D97-AF65-F5344CB8AC3E}">
-        <p14:creationId xmlns:p14="http://schemas.microsoft.com/office/powerpoint/2010/main" val="1114001791"/>
+        <p14:creationId xmlns:p14="http://schemas.microsoft.com/office/powerpoint/2010/main" val="3043546882"/>
       </p:ext>
     </p:extLst>
   </p:cSld>
@@ -6967,8 +7091,8 @@
         </p:nvSpPr>
         <p:spPr>
           <a:xfrm>
-            <a:off x="278976" y="1277324"/>
-            <a:ext cx="4905638" cy="646331"/>
+            <a:off x="310191" y="1225370"/>
+            <a:ext cx="3893951" cy="646331"/>
           </a:xfrm>
           <a:prstGeom prst="rect">
             <a:avLst/>
@@ -6983,7 +7107,7 @@
           <a:p>
             <a:r>
               <a:rPr lang="de-DE" sz="3600" b="1" dirty="0" smtClean="0"/>
-              <a:t>Potenzielle Meilensteine</a:t>
+              <a:t>Was noch zu tun ist</a:t>
             </a:r>
             <a:endParaRPr lang="de-DE" sz="3600" b="1" dirty="0"/>
           </a:p>
@@ -7020,8 +7144,42 @@
         </p:nvSpPr>
         <p:spPr>
           <a:xfrm>
-            <a:off x="715394" y="2652436"/>
-            <a:ext cx="7339573" cy="3539430"/>
+            <a:off x="278976" y="6352144"/>
+            <a:ext cx="2698367" cy="369332"/>
+          </a:xfrm>
+          <a:prstGeom prst="rect">
+            <a:avLst/>
+          </a:prstGeom>
+          <a:noFill/>
+        </p:spPr>
+        <p:txBody>
+          <a:bodyPr wrap="none" rtlCol="0">
+            <a:spAutoFit/>
+          </a:bodyPr>
+          <a:lstStyle/>
+          <a:p>
+            <a:r>
+              <a:rPr lang="de-DE" dirty="0"/>
+              <a:t>2</a:t>
+            </a:r>
+            <a:r>
+              <a:rPr lang="de-DE" dirty="0" smtClean="0"/>
+              <a:t>. Geschehenes/Geplantes</a:t>
+            </a:r>
+            <a:endParaRPr lang="de-DE" dirty="0"/>
+          </a:p>
+        </p:txBody>
+      </p:sp>
+      <p:sp>
+        <p:nvSpPr>
+          <p:cNvPr id="9" name="Textfeld 8"/>
+          <p:cNvSpPr txBox="1"/>
+          <p:nvPr/>
+        </p:nvSpPr>
+        <p:spPr>
+          <a:xfrm>
+            <a:off x="310191" y="2596484"/>
+            <a:ext cx="8335045" cy="2677656"/>
           </a:xfrm>
           <a:prstGeom prst="rect">
             <a:avLst/>
@@ -7040,7 +7198,7 @@
             </a:pPr>
             <a:r>
               <a:rPr lang="de-DE" sz="2800" dirty="0" smtClean="0"/>
-              <a:t>Klärung Struktur und Organisation des Tools</a:t>
+              <a:t>Datenbank Anbindung und Strukturierung</a:t>
             </a:r>
           </a:p>
           <a:p>
@@ -7050,7 +7208,7 @@
             </a:pPr>
             <a:r>
               <a:rPr lang="de-DE" sz="2800" dirty="0" smtClean="0"/>
-              <a:t>Vertraut werden mit Wavesurfer.js, Peaks.js</a:t>
+              <a:t>Meta-Daten Anbindung</a:t>
             </a:r>
           </a:p>
           <a:p>
@@ -7059,8 +7217,8 @@
               <a:buChar char="-"/>
             </a:pPr>
             <a:r>
-              <a:rPr lang="de-DE" sz="2800" dirty="0"/>
-              <a:t>Implementierung des Kerns</a:t>
+              <a:rPr lang="de-DE" sz="2800" dirty="0" smtClean="0"/>
+              <a:t>UI</a:t>
             </a:r>
           </a:p>
           <a:p>
@@ -7070,7 +7228,7 @@
             </a:pPr>
             <a:r>
               <a:rPr lang="de-DE" sz="2800" dirty="0" smtClean="0"/>
-              <a:t>Herstellung Verbindung zur DB</a:t>
+              <a:t>womöglich einige der optionalen Features einbauen</a:t>
             </a:r>
           </a:p>
           <a:p>
@@ -7079,64 +7237,77 @@
               <a:buChar char="-"/>
             </a:pPr>
             <a:r>
-              <a:rPr lang="de-DE" sz="2800" dirty="0"/>
-              <a:t>Implementierung des </a:t>
-            </a:r>
-            <a:r>
               <a:rPr lang="de-DE" sz="2800" dirty="0" smtClean="0"/>
-              <a:t>UIs</a:t>
-            </a:r>
+              <a:t>Usability </a:t>
+            </a:r>
+            <a:r>
+              <a:rPr lang="de-DE" sz="2800" dirty="0" smtClean="0"/>
+              <a:t>Test</a:t>
+            </a:r>
+            <a:endParaRPr lang="de-DE" sz="2800" dirty="0" smtClean="0"/>
           </a:p>
           <a:p>
             <a:pPr marL="457200" indent="-457200">
               <a:buFontTx/>
               <a:buChar char="-"/>
             </a:pPr>
-            <a:r>
-              <a:rPr lang="de-DE" sz="2800" dirty="0" smtClean="0"/>
-              <a:t>Durchführung einer Usability Studie</a:t>
-            </a:r>
-          </a:p>
-          <a:p>
-            <a:pPr marL="457200" indent="-457200">
-              <a:buFontTx/>
-              <a:buChar char="-"/>
-            </a:pPr>
-            <a:r>
-              <a:rPr lang="de-DE" sz="2800" dirty="0" smtClean="0"/>
-              <a:t>Fertigstellung der Dokumentation</a:t>
-            </a:r>
-          </a:p>
-          <a:p>
-            <a:pPr marL="457200" indent="-457200">
-              <a:buFontTx/>
-              <a:buChar char="-"/>
-            </a:pPr>
-            <a:r>
-              <a:rPr lang="de-DE" sz="2800" dirty="0" smtClean="0"/>
-              <a:t>Abgabe des Tools</a:t>
-            </a:r>
-          </a:p>
-        </p:txBody>
-      </p:sp>
-      <p:sp>
-        <p:nvSpPr>
-          <p:cNvPr id="5" name="Rechteck 4"/>
+            <a:endParaRPr lang="de-DE" sz="2800" dirty="0" smtClean="0"/>
+          </a:p>
+        </p:txBody>
+      </p:sp>
+    </p:spTree>
+    <p:extLst>
+      <p:ext uri="{BB962C8B-B14F-4D97-AF65-F5344CB8AC3E}">
+        <p14:creationId xmlns:p14="http://schemas.microsoft.com/office/powerpoint/2010/main" val="603259009"/>
+      </p:ext>
+    </p:extLst>
+  </p:cSld>
+  <p:clrMapOvr>
+    <a:masterClrMapping/>
+  </p:clrMapOvr>
+  <p:timing>
+    <p:tnLst>
+      <p:par>
+        <p:cTn id="1" dur="indefinite" restart="never" nodeType="tmRoot"/>
+      </p:par>
+    </p:tnLst>
+  </p:timing>
+</p:sld>
+</file>
+
+<file path=ppt/slides/slide18.xml><?xml version="1.0" encoding="utf-8"?>
+<p:sld xmlns:a="http://schemas.openxmlformats.org/drawingml/2006/main" xmlns:r="http://schemas.openxmlformats.org/officeDocument/2006/relationships" xmlns:p="http://schemas.openxmlformats.org/presentationml/2006/main">
+  <p:cSld>
+    <p:spTree>
+      <p:nvGrpSpPr>
+        <p:cNvPr id="1" name=""/>
+        <p:cNvGrpSpPr/>
+        <p:nvPr/>
+      </p:nvGrpSpPr>
+      <p:grpSpPr>
+        <a:xfrm>
+          <a:off x="0" y="0"/>
+          <a:ext cx="0" cy="0"/>
+          <a:chOff x="0" y="0"/>
+          <a:chExt cx="0" cy="0"/>
+        </a:xfrm>
+      </p:grpSpPr>
+      <p:sp>
+        <p:nvSpPr>
+          <p:cNvPr id="2" name="Rechteck 1"/>
           <p:cNvSpPr/>
           <p:nvPr/>
         </p:nvSpPr>
         <p:spPr>
           <a:xfrm>
-            <a:off x="704553" y="2681053"/>
-            <a:ext cx="7337560" cy="935182"/>
+            <a:off x="4572000" y="-1"/>
+            <a:ext cx="4571999" cy="411893"/>
           </a:xfrm>
           <a:prstGeom prst="rect">
             <a:avLst/>
           </a:prstGeom>
           <a:solidFill>
-            <a:schemeClr val="bg1">
-              <a:lumMod val="85000"/>
-            </a:schemeClr>
+            <a:srgbClr val="9C004B"/>
           </a:solidFill>
           <a:ln>
             <a:noFill/>
@@ -7163,40 +7334,26 @@
           <a:lstStyle/>
           <a:p>
             <a:pPr algn="ctr"/>
-            <a:r>
-              <a:rPr lang="de-DE" sz="2800" b="1" dirty="0" smtClean="0">
-                <a:solidFill>
-                  <a:schemeClr val="tx1"/>
-                </a:solidFill>
-              </a:rPr>
-              <a:t>Vollendung der Planung</a:t>
-            </a:r>
-            <a:endParaRPr lang="de-DE" sz="2800" b="1" dirty="0">
-              <a:solidFill>
-                <a:schemeClr val="tx1"/>
-              </a:solidFill>
-            </a:endParaRPr>
-          </a:p>
-        </p:txBody>
-      </p:sp>
-      <p:sp>
-        <p:nvSpPr>
-          <p:cNvPr id="9" name="Rechteck 8"/>
+            <a:endParaRPr lang="de-DE"/>
+          </a:p>
+        </p:txBody>
+      </p:sp>
+      <p:sp>
+        <p:nvSpPr>
+          <p:cNvPr id="3" name="Rechteck 2"/>
           <p:cNvSpPr/>
           <p:nvPr/>
         </p:nvSpPr>
         <p:spPr>
           <a:xfrm>
-            <a:off x="704553" y="3569361"/>
-            <a:ext cx="7337560" cy="1246909"/>
+            <a:off x="0" y="0"/>
+            <a:ext cx="4571999" cy="411893"/>
           </a:xfrm>
           <a:prstGeom prst="rect">
             <a:avLst/>
           </a:prstGeom>
           <a:solidFill>
-            <a:schemeClr val="bg1">
-              <a:lumMod val="75000"/>
-            </a:schemeClr>
+            <a:srgbClr val="7F7F7F"/>
           </a:solidFill>
           <a:ln>
             <a:noFill/>
@@ -7223,44 +7380,111 @@
           <a:lstStyle/>
           <a:p>
             <a:pPr algn="ctr"/>
-            <a:r>
-              <a:rPr lang="de-DE" sz="2800" b="1" dirty="0" smtClean="0">
-                <a:solidFill>
-                  <a:schemeClr val="tx1"/>
-                </a:solidFill>
-              </a:rPr>
-              <a:t>Implementierung</a:t>
-            </a:r>
-            <a:endParaRPr lang="de-DE" sz="2800" b="1" dirty="0">
-              <a:solidFill>
-                <a:schemeClr val="tx1"/>
-              </a:solidFill>
-            </a:endParaRPr>
-          </a:p>
-        </p:txBody>
-      </p:sp>
-      <p:sp>
-        <p:nvSpPr>
-          <p:cNvPr id="10" name="Rechteck 9"/>
+            <a:endParaRPr lang="de-DE"/>
+          </a:p>
+        </p:txBody>
+      </p:sp>
+      <p:sp>
+        <p:nvSpPr>
+          <p:cNvPr id="4" name="Textfeld 3"/>
+          <p:cNvSpPr txBox="1"/>
+          <p:nvPr/>
+        </p:nvSpPr>
+        <p:spPr>
+          <a:xfrm>
+            <a:off x="310191" y="1225370"/>
+            <a:ext cx="1743811" cy="646331"/>
+          </a:xfrm>
+          <a:prstGeom prst="rect">
+            <a:avLst/>
+          </a:prstGeom>
+          <a:noFill/>
+        </p:spPr>
+        <p:txBody>
+          <a:bodyPr wrap="none" rtlCol="0">
+            <a:spAutoFit/>
+          </a:bodyPr>
+          <a:lstStyle/>
+          <a:p>
+            <a:r>
+              <a:rPr lang="de-DE" sz="3600" b="1" dirty="0" smtClean="0"/>
+              <a:t>Zeitplan</a:t>
+            </a:r>
+            <a:endParaRPr lang="de-DE" sz="3600" b="1" dirty="0"/>
+          </a:p>
+        </p:txBody>
+      </p:sp>
+      <p:sp>
+        <p:nvSpPr>
+          <p:cNvPr id="6" name="Foliennummernplatzhalter 5"/>
+          <p:cNvSpPr>
+            <a:spLocks noGrp="1"/>
+          </p:cNvSpPr>
+          <p:nvPr>
+            <p:ph type="sldNum" sz="quarter" idx="12"/>
+          </p:nvPr>
+        </p:nvSpPr>
+        <p:spPr/>
+        <p:txBody>
+          <a:bodyPr/>
+          <a:lstStyle/>
+          <a:p>
+            <a:fld id="{80E5386A-0EC8-4140-9404-D7701A815490}" type="slidenum">
+              <a:rPr lang="de-DE" smtClean="0"/>
+              <a:t>18</a:t>
+            </a:fld>
+            <a:endParaRPr lang="de-DE" dirty="0"/>
+          </a:p>
+        </p:txBody>
+      </p:sp>
+      <p:sp>
+        <p:nvSpPr>
+          <p:cNvPr id="8" name="Textfeld 7"/>
+          <p:cNvSpPr txBox="1"/>
+          <p:nvPr/>
+        </p:nvSpPr>
+        <p:spPr>
+          <a:xfrm>
+            <a:off x="278976" y="6352144"/>
+            <a:ext cx="2698367" cy="369332"/>
+          </a:xfrm>
+          <a:prstGeom prst="rect">
+            <a:avLst/>
+          </a:prstGeom>
+          <a:noFill/>
+        </p:spPr>
+        <p:txBody>
+          <a:bodyPr wrap="none" rtlCol="0">
+            <a:spAutoFit/>
+          </a:bodyPr>
+          <a:lstStyle/>
+          <a:p>
+            <a:r>
+              <a:rPr lang="de-DE" dirty="0"/>
+              <a:t>2</a:t>
+            </a:r>
+            <a:r>
+              <a:rPr lang="de-DE" dirty="0" smtClean="0"/>
+              <a:t>. Geschehenes/Geplantes</a:t>
+            </a:r>
+            <a:endParaRPr lang="de-DE" dirty="0"/>
+          </a:p>
+        </p:txBody>
+      </p:sp>
+      <p:sp>
+        <p:nvSpPr>
+          <p:cNvPr id="18" name="Rechteck 17"/>
           <p:cNvSpPr/>
           <p:nvPr/>
         </p:nvSpPr>
         <p:spPr>
           <a:xfrm>
-            <a:off x="704553" y="4816270"/>
-            <a:ext cx="7337560" cy="1404411"/>
-          </a:xfrm>
-          <a:prstGeom prst="rect">
-            <a:avLst/>
-          </a:prstGeom>
-          <a:solidFill>
-            <a:schemeClr val="bg1">
-              <a:lumMod val="65000"/>
-            </a:schemeClr>
-          </a:solidFill>
-          <a:ln>
-            <a:noFill/>
-          </a:ln>
+            <a:off x="258983" y="2897994"/>
+            <a:ext cx="8626032" cy="319242"/>
+          </a:xfrm>
+          <a:prstGeom prst="rect">
+            <a:avLst/>
+          </a:prstGeom>
         </p:spPr>
         <p:style>
           <a:lnRef idx="2">
@@ -7283,26 +7507,684 @@
           <a:lstStyle/>
           <a:p>
             <a:pPr algn="ctr"/>
-            <a:r>
-              <a:rPr lang="de-DE" sz="2800" b="1" dirty="0" smtClean="0">
-                <a:solidFill>
-                  <a:schemeClr val="tx1"/>
-                </a:solidFill>
-              </a:rPr>
-              <a:t>Test und Abgabe des Tools</a:t>
-            </a:r>
-            <a:endParaRPr lang="de-DE" sz="2800" b="1" dirty="0">
-              <a:solidFill>
-                <a:schemeClr val="tx1"/>
-              </a:solidFill>
-            </a:endParaRPr>
+            <a:endParaRPr lang="de-DE"/>
+          </a:p>
+        </p:txBody>
+      </p:sp>
+      <p:cxnSp>
+        <p:nvCxnSpPr>
+          <p:cNvPr id="20" name="Gerader Verbinder 19"/>
+          <p:cNvCxnSpPr/>
+          <p:nvPr/>
+        </p:nvCxnSpPr>
+        <p:spPr>
+          <a:xfrm>
+            <a:off x="258983" y="2649492"/>
+            <a:ext cx="0" cy="1135487"/>
+          </a:xfrm>
+          <a:prstGeom prst="line">
+            <a:avLst/>
+          </a:prstGeom>
+          <a:ln w="57150">
+            <a:solidFill>
+              <a:schemeClr val="tx1"/>
+            </a:solidFill>
+          </a:ln>
+        </p:spPr>
+        <p:style>
+          <a:lnRef idx="1">
+            <a:schemeClr val="accent1"/>
+          </a:lnRef>
+          <a:fillRef idx="0">
+            <a:schemeClr val="accent1"/>
+          </a:fillRef>
+          <a:effectRef idx="0">
+            <a:schemeClr val="accent1"/>
+          </a:effectRef>
+          <a:fontRef idx="minor">
+            <a:schemeClr val="tx1"/>
+          </a:fontRef>
+        </p:style>
+      </p:cxnSp>
+      <p:sp>
+        <p:nvSpPr>
+          <p:cNvPr id="23" name="Textfeld 22"/>
+          <p:cNvSpPr txBox="1"/>
+          <p:nvPr/>
+        </p:nvSpPr>
+        <p:spPr>
+          <a:xfrm>
+            <a:off x="-19993" y="3879322"/>
+            <a:ext cx="1317220" cy="369332"/>
+          </a:xfrm>
+          <a:prstGeom prst="rect">
+            <a:avLst/>
+          </a:prstGeom>
+          <a:noFill/>
+        </p:spPr>
+        <p:txBody>
+          <a:bodyPr wrap="none" rtlCol="0">
+            <a:spAutoFit/>
+          </a:bodyPr>
+          <a:lstStyle/>
+          <a:p>
+            <a:r>
+              <a:rPr lang="de-DE" b="1" dirty="0" smtClean="0"/>
+              <a:t>Projektstart</a:t>
+            </a:r>
+          </a:p>
+        </p:txBody>
+      </p:sp>
+      <p:sp>
+        <p:nvSpPr>
+          <p:cNvPr id="24" name="Textfeld 23"/>
+          <p:cNvSpPr txBox="1"/>
+          <p:nvPr/>
+        </p:nvSpPr>
+        <p:spPr>
+          <a:xfrm>
+            <a:off x="47429" y="2147529"/>
+            <a:ext cx="704039" cy="338554"/>
+          </a:xfrm>
+          <a:prstGeom prst="rect">
+            <a:avLst/>
+          </a:prstGeom>
+          <a:noFill/>
+        </p:spPr>
+        <p:txBody>
+          <a:bodyPr wrap="none" rtlCol="0">
+            <a:spAutoFit/>
+          </a:bodyPr>
+          <a:lstStyle/>
+          <a:p>
+            <a:r>
+              <a:rPr lang="de-DE" sz="1600" dirty="0" smtClean="0"/>
+              <a:t>01.05.</a:t>
+            </a:r>
+          </a:p>
+        </p:txBody>
+      </p:sp>
+      <p:sp>
+        <p:nvSpPr>
+          <p:cNvPr id="25" name="Textfeld 24"/>
+          <p:cNvSpPr txBox="1"/>
+          <p:nvPr/>
+        </p:nvSpPr>
+        <p:spPr>
+          <a:xfrm>
+            <a:off x="3313704" y="4788249"/>
+            <a:ext cx="2516587" cy="646331"/>
+          </a:xfrm>
+          <a:prstGeom prst="rect">
+            <a:avLst/>
+          </a:prstGeom>
+          <a:noFill/>
+        </p:spPr>
+        <p:txBody>
+          <a:bodyPr wrap="none" rtlCol="0">
+            <a:spAutoFit/>
+          </a:bodyPr>
+          <a:lstStyle/>
+          <a:p>
+            <a:pPr algn="ctr"/>
+            <a:r>
+              <a:rPr lang="de-DE" dirty="0" smtClean="0"/>
+              <a:t>Datenbank-, Meta-Daten</a:t>
+            </a:r>
+          </a:p>
+          <a:p>
+            <a:pPr algn="ctr"/>
+            <a:r>
+              <a:rPr lang="de-DE" dirty="0" smtClean="0"/>
+              <a:t>Anbindung</a:t>
+            </a:r>
+          </a:p>
+        </p:txBody>
+      </p:sp>
+      <p:sp>
+        <p:nvSpPr>
+          <p:cNvPr id="26" name="Textfeld 25"/>
+          <p:cNvSpPr txBox="1"/>
+          <p:nvPr/>
+        </p:nvSpPr>
+        <p:spPr>
+          <a:xfrm>
+            <a:off x="8375841" y="2147529"/>
+            <a:ext cx="704039" cy="338554"/>
+          </a:xfrm>
+          <a:prstGeom prst="rect">
+            <a:avLst/>
+          </a:prstGeom>
+          <a:noFill/>
+        </p:spPr>
+        <p:txBody>
+          <a:bodyPr wrap="none" rtlCol="0">
+            <a:spAutoFit/>
+          </a:bodyPr>
+          <a:lstStyle/>
+          <a:p>
+            <a:r>
+              <a:rPr lang="de-DE" sz="1600" dirty="0" smtClean="0"/>
+              <a:t>01.09.</a:t>
+            </a:r>
+          </a:p>
+        </p:txBody>
+      </p:sp>
+      <p:cxnSp>
+        <p:nvCxnSpPr>
+          <p:cNvPr id="27" name="Gerader Verbinder 26"/>
+          <p:cNvCxnSpPr/>
+          <p:nvPr/>
+        </p:nvCxnSpPr>
+        <p:spPr>
+          <a:xfrm>
+            <a:off x="8885015" y="2649492"/>
+            <a:ext cx="0" cy="1135487"/>
+          </a:xfrm>
+          <a:prstGeom prst="line">
+            <a:avLst/>
+          </a:prstGeom>
+          <a:ln w="57150">
+            <a:solidFill>
+              <a:schemeClr val="tx1"/>
+            </a:solidFill>
+          </a:ln>
+        </p:spPr>
+        <p:style>
+          <a:lnRef idx="1">
+            <a:schemeClr val="accent1"/>
+          </a:lnRef>
+          <a:fillRef idx="0">
+            <a:schemeClr val="accent1"/>
+          </a:fillRef>
+          <a:effectRef idx="0">
+            <a:schemeClr val="accent1"/>
+          </a:effectRef>
+          <a:fontRef idx="minor">
+            <a:schemeClr val="tx1"/>
+          </a:fontRef>
+        </p:style>
+      </p:cxnSp>
+      <p:sp>
+        <p:nvSpPr>
+          <p:cNvPr id="28" name="Textfeld 27"/>
+          <p:cNvSpPr txBox="1"/>
+          <p:nvPr/>
+        </p:nvSpPr>
+        <p:spPr>
+          <a:xfrm>
+            <a:off x="7750854" y="3879176"/>
+            <a:ext cx="1349665" cy="369332"/>
+          </a:xfrm>
+          <a:prstGeom prst="rect">
+            <a:avLst/>
+          </a:prstGeom>
+          <a:noFill/>
+        </p:spPr>
+        <p:txBody>
+          <a:bodyPr wrap="none" rtlCol="0">
+            <a:spAutoFit/>
+          </a:bodyPr>
+          <a:lstStyle/>
+          <a:p>
+            <a:r>
+              <a:rPr lang="de-DE" b="1" dirty="0" smtClean="0"/>
+              <a:t>Projektende</a:t>
+            </a:r>
+          </a:p>
+        </p:txBody>
+      </p:sp>
+      <p:sp>
+        <p:nvSpPr>
+          <p:cNvPr id="31" name="Textfeld 30"/>
+          <p:cNvSpPr txBox="1"/>
+          <p:nvPr/>
+        </p:nvSpPr>
+        <p:spPr>
+          <a:xfrm>
+            <a:off x="4187919" y="2145585"/>
+            <a:ext cx="768159" cy="369332"/>
+          </a:xfrm>
+          <a:prstGeom prst="rect">
+            <a:avLst/>
+          </a:prstGeom>
+          <a:noFill/>
+        </p:spPr>
+        <p:txBody>
+          <a:bodyPr wrap="none" rtlCol="0">
+            <a:spAutoFit/>
+          </a:bodyPr>
+          <a:lstStyle/>
+          <a:p>
+            <a:r>
+              <a:rPr lang="de-DE" dirty="0" smtClean="0"/>
+              <a:t>01.07.</a:t>
+            </a:r>
+          </a:p>
+        </p:txBody>
+      </p:sp>
+      <p:sp>
+        <p:nvSpPr>
+          <p:cNvPr id="34" name="Textfeld 33"/>
+          <p:cNvSpPr txBox="1"/>
+          <p:nvPr/>
+        </p:nvSpPr>
+        <p:spPr>
+          <a:xfrm>
+            <a:off x="2449963" y="2145585"/>
+            <a:ext cx="768159" cy="369332"/>
+          </a:xfrm>
+          <a:prstGeom prst="rect">
+            <a:avLst/>
+          </a:prstGeom>
+          <a:noFill/>
+        </p:spPr>
+        <p:txBody>
+          <a:bodyPr wrap="none" rtlCol="0">
+            <a:spAutoFit/>
+          </a:bodyPr>
+          <a:lstStyle/>
+          <a:p>
+            <a:r>
+              <a:rPr lang="de-DE" dirty="0" smtClean="0"/>
+              <a:t>16.06.</a:t>
+            </a:r>
+          </a:p>
+        </p:txBody>
+      </p:sp>
+      <p:cxnSp>
+        <p:nvCxnSpPr>
+          <p:cNvPr id="35" name="Gerader Verbinder 34"/>
+          <p:cNvCxnSpPr/>
+          <p:nvPr/>
+        </p:nvCxnSpPr>
+        <p:spPr>
+          <a:xfrm>
+            <a:off x="2836008" y="2649492"/>
+            <a:ext cx="0" cy="1414350"/>
+          </a:xfrm>
+          <a:prstGeom prst="line">
+            <a:avLst/>
+          </a:prstGeom>
+          <a:ln w="38100">
+            <a:solidFill>
+              <a:srgbClr val="FF0000"/>
+            </a:solidFill>
+          </a:ln>
+        </p:spPr>
+        <p:style>
+          <a:lnRef idx="1">
+            <a:schemeClr val="accent1"/>
+          </a:lnRef>
+          <a:fillRef idx="0">
+            <a:schemeClr val="accent1"/>
+          </a:fillRef>
+          <a:effectRef idx="0">
+            <a:schemeClr val="accent1"/>
+          </a:effectRef>
+          <a:fontRef idx="minor">
+            <a:schemeClr val="tx1"/>
+          </a:fontRef>
+        </p:style>
+      </p:cxnSp>
+      <p:cxnSp>
+        <p:nvCxnSpPr>
+          <p:cNvPr id="38" name="Gerader Verbinder 37"/>
+          <p:cNvCxnSpPr/>
+          <p:nvPr/>
+        </p:nvCxnSpPr>
+        <p:spPr>
+          <a:xfrm>
+            <a:off x="4571998" y="2649492"/>
+            <a:ext cx="0" cy="2005635"/>
+          </a:xfrm>
+          <a:prstGeom prst="line">
+            <a:avLst/>
+          </a:prstGeom>
+          <a:ln w="19050">
+            <a:solidFill>
+              <a:schemeClr val="tx1"/>
+            </a:solidFill>
+          </a:ln>
+        </p:spPr>
+        <p:style>
+          <a:lnRef idx="1">
+            <a:schemeClr val="accent1"/>
+          </a:lnRef>
+          <a:fillRef idx="0">
+            <a:schemeClr val="accent1"/>
+          </a:fillRef>
+          <a:effectRef idx="0">
+            <a:schemeClr val="accent1"/>
+          </a:effectRef>
+          <a:fontRef idx="minor">
+            <a:schemeClr val="tx1"/>
+          </a:fontRef>
+        </p:style>
+      </p:cxnSp>
+      <p:sp>
+        <p:nvSpPr>
+          <p:cNvPr id="40" name="Textfeld 39"/>
+          <p:cNvSpPr txBox="1"/>
+          <p:nvPr/>
+        </p:nvSpPr>
+        <p:spPr>
+          <a:xfrm>
+            <a:off x="1795712" y="4063842"/>
+            <a:ext cx="2076659" cy="369332"/>
+          </a:xfrm>
+          <a:prstGeom prst="rect">
+            <a:avLst/>
+          </a:prstGeom>
+          <a:noFill/>
+        </p:spPr>
+        <p:txBody>
+          <a:bodyPr wrap="none" rtlCol="0">
+            <a:spAutoFit/>
+          </a:bodyPr>
+          <a:lstStyle/>
+          <a:p>
+            <a:r>
+              <a:rPr lang="de-DE" dirty="0" smtClean="0"/>
+              <a:t>Antrittspräsentation</a:t>
+            </a:r>
+          </a:p>
+        </p:txBody>
+      </p:sp>
+      <p:cxnSp>
+        <p:nvCxnSpPr>
+          <p:cNvPr id="41" name="Gerader Verbinder 40"/>
+          <p:cNvCxnSpPr>
+            <a:endCxn id="43" idx="0"/>
+          </p:cNvCxnSpPr>
+          <p:nvPr/>
+        </p:nvCxnSpPr>
+        <p:spPr>
+          <a:xfrm>
+            <a:off x="5975363" y="2649491"/>
+            <a:ext cx="0" cy="3120843"/>
+          </a:xfrm>
+          <a:prstGeom prst="line">
+            <a:avLst/>
+          </a:prstGeom>
+          <a:ln w="19050">
+            <a:solidFill>
+              <a:schemeClr val="tx1"/>
+            </a:solidFill>
+          </a:ln>
+        </p:spPr>
+        <p:style>
+          <a:lnRef idx="1">
+            <a:schemeClr val="accent1"/>
+          </a:lnRef>
+          <a:fillRef idx="0">
+            <a:schemeClr val="accent1"/>
+          </a:fillRef>
+          <a:effectRef idx="0">
+            <a:schemeClr val="accent1"/>
+          </a:effectRef>
+          <a:fontRef idx="minor">
+            <a:schemeClr val="tx1"/>
+          </a:fontRef>
+        </p:style>
+      </p:cxnSp>
+      <p:sp>
+        <p:nvSpPr>
+          <p:cNvPr id="43" name="Textfeld 42"/>
+          <p:cNvSpPr txBox="1"/>
+          <p:nvPr/>
+        </p:nvSpPr>
+        <p:spPr>
+          <a:xfrm>
+            <a:off x="4969062" y="5770334"/>
+            <a:ext cx="2012602" cy="369332"/>
+          </a:xfrm>
+          <a:prstGeom prst="rect">
+            <a:avLst/>
+          </a:prstGeom>
+          <a:noFill/>
+        </p:spPr>
+        <p:txBody>
+          <a:bodyPr wrap="none" rtlCol="0">
+            <a:spAutoFit/>
+          </a:bodyPr>
+          <a:lstStyle/>
+          <a:p>
+            <a:r>
+              <a:rPr lang="de-DE" dirty="0" smtClean="0"/>
+              <a:t>1. test-bare Version</a:t>
+            </a:r>
+          </a:p>
+        </p:txBody>
+      </p:sp>
+      <p:cxnSp>
+        <p:nvCxnSpPr>
+          <p:cNvPr id="44" name="Gerader Verbinder 43"/>
+          <p:cNvCxnSpPr/>
+          <p:nvPr/>
+        </p:nvCxnSpPr>
+        <p:spPr>
+          <a:xfrm>
+            <a:off x="7441018" y="2638917"/>
+            <a:ext cx="0" cy="2425429"/>
+          </a:xfrm>
+          <a:prstGeom prst="line">
+            <a:avLst/>
+          </a:prstGeom>
+          <a:ln w="19050">
+            <a:solidFill>
+              <a:schemeClr val="tx1"/>
+            </a:solidFill>
+          </a:ln>
+        </p:spPr>
+        <p:style>
+          <a:lnRef idx="1">
+            <a:schemeClr val="accent1"/>
+          </a:lnRef>
+          <a:fillRef idx="0">
+            <a:schemeClr val="accent1"/>
+          </a:fillRef>
+          <a:effectRef idx="0">
+            <a:schemeClr val="accent1"/>
+          </a:effectRef>
+          <a:fontRef idx="minor">
+            <a:schemeClr val="tx1"/>
+          </a:fontRef>
+        </p:style>
+      </p:cxnSp>
+      <p:sp>
+        <p:nvSpPr>
+          <p:cNvPr id="45" name="Textfeld 44"/>
+          <p:cNvSpPr txBox="1"/>
+          <p:nvPr/>
+        </p:nvSpPr>
+        <p:spPr>
+          <a:xfrm>
+            <a:off x="6770777" y="5064346"/>
+            <a:ext cx="1641796" cy="646331"/>
+          </a:xfrm>
+          <a:prstGeom prst="rect">
+            <a:avLst/>
+          </a:prstGeom>
+          <a:noFill/>
+        </p:spPr>
+        <p:txBody>
+          <a:bodyPr wrap="none" rtlCol="0">
+            <a:spAutoFit/>
+          </a:bodyPr>
+          <a:lstStyle/>
+          <a:p>
+            <a:r>
+              <a:rPr lang="de-DE" dirty="0" smtClean="0"/>
+              <a:t>UI Optimierung</a:t>
+            </a:r>
+          </a:p>
+          <a:p>
+            <a:r>
+              <a:rPr lang="de-DE" dirty="0" smtClean="0"/>
+              <a:t>Usability Studie</a:t>
+            </a:r>
+          </a:p>
+        </p:txBody>
+      </p:sp>
+      <p:sp>
+        <p:nvSpPr>
+          <p:cNvPr id="49" name="Rechteck 48"/>
+          <p:cNvSpPr/>
+          <p:nvPr/>
+        </p:nvSpPr>
+        <p:spPr>
+          <a:xfrm>
+            <a:off x="258983" y="2897993"/>
+            <a:ext cx="2575058" cy="336169"/>
+          </a:xfrm>
+          <a:prstGeom prst="rect">
+            <a:avLst/>
+          </a:prstGeom>
+          <a:solidFill>
+            <a:srgbClr val="FFC000">
+              <a:alpha val="67000"/>
+            </a:srgbClr>
+          </a:solidFill>
+          <a:ln>
+            <a:noFill/>
+          </a:ln>
+        </p:spPr>
+        <p:style>
+          <a:lnRef idx="2">
+            <a:schemeClr val="accent1">
+              <a:shade val="50000"/>
+            </a:schemeClr>
+          </a:lnRef>
+          <a:fillRef idx="1">
+            <a:schemeClr val="accent1"/>
+          </a:fillRef>
+          <a:effectRef idx="0">
+            <a:schemeClr val="accent1"/>
+          </a:effectRef>
+          <a:fontRef idx="minor">
+            <a:schemeClr val="lt1"/>
+          </a:fontRef>
+        </p:style>
+        <p:txBody>
+          <a:bodyPr rtlCol="0" anchor="ctr"/>
+          <a:lstStyle/>
+          <a:p>
+            <a:pPr algn="ctr"/>
+            <a:endParaRPr lang="de-DE"/>
+          </a:p>
+        </p:txBody>
+      </p:sp>
+      <p:sp>
+        <p:nvSpPr>
+          <p:cNvPr id="51" name="Rechteck 50"/>
+          <p:cNvSpPr/>
+          <p:nvPr/>
+        </p:nvSpPr>
+        <p:spPr>
+          <a:xfrm>
+            <a:off x="2845603" y="2894922"/>
+            <a:ext cx="6039411" cy="336169"/>
+          </a:xfrm>
+          <a:prstGeom prst="rect">
+            <a:avLst/>
+          </a:prstGeom>
+          <a:solidFill>
+            <a:srgbClr val="00B0F0">
+              <a:alpha val="67000"/>
+            </a:srgbClr>
+          </a:solidFill>
+          <a:ln>
+            <a:noFill/>
+          </a:ln>
+        </p:spPr>
+        <p:style>
+          <a:lnRef idx="2">
+            <a:schemeClr val="accent1">
+              <a:shade val="50000"/>
+            </a:schemeClr>
+          </a:lnRef>
+          <a:fillRef idx="1">
+            <a:schemeClr val="accent1"/>
+          </a:fillRef>
+          <a:effectRef idx="0">
+            <a:schemeClr val="accent1"/>
+          </a:effectRef>
+          <a:fontRef idx="minor">
+            <a:schemeClr val="lt1"/>
+          </a:fontRef>
+        </p:style>
+        <p:txBody>
+          <a:bodyPr rtlCol="0" anchor="ctr"/>
+          <a:lstStyle/>
+          <a:p>
+            <a:pPr algn="ctr"/>
+            <a:endParaRPr lang="de-DE"/>
+          </a:p>
+        </p:txBody>
+      </p:sp>
+      <p:sp>
+        <p:nvSpPr>
+          <p:cNvPr id="52" name="Textfeld 51"/>
+          <p:cNvSpPr txBox="1"/>
+          <p:nvPr/>
+        </p:nvSpPr>
+        <p:spPr>
+          <a:xfrm>
+            <a:off x="5591283" y="2142513"/>
+            <a:ext cx="768159" cy="369332"/>
+          </a:xfrm>
+          <a:prstGeom prst="rect">
+            <a:avLst/>
+          </a:prstGeom>
+          <a:noFill/>
+        </p:spPr>
+        <p:txBody>
+          <a:bodyPr wrap="none" rtlCol="0">
+            <a:spAutoFit/>
+          </a:bodyPr>
+          <a:lstStyle/>
+          <a:p>
+            <a:r>
+              <a:rPr lang="de-DE" dirty="0" smtClean="0"/>
+              <a:t>15.07.</a:t>
+            </a:r>
+          </a:p>
+        </p:txBody>
+      </p:sp>
+      <p:sp>
+        <p:nvSpPr>
+          <p:cNvPr id="53" name="Textfeld 52"/>
+          <p:cNvSpPr txBox="1"/>
+          <p:nvPr/>
+        </p:nvSpPr>
+        <p:spPr>
+          <a:xfrm>
+            <a:off x="7056938" y="2142513"/>
+            <a:ext cx="768159" cy="369332"/>
+          </a:xfrm>
+          <a:prstGeom prst="rect">
+            <a:avLst/>
+          </a:prstGeom>
+          <a:noFill/>
+        </p:spPr>
+        <p:txBody>
+          <a:bodyPr wrap="none" rtlCol="0">
+            <a:spAutoFit/>
+          </a:bodyPr>
+          <a:lstStyle/>
+          <a:p>
+            <a:r>
+              <a:rPr lang="de-DE" dirty="0" smtClean="0"/>
+              <a:t>15.08.</a:t>
+            </a:r>
           </a:p>
         </p:txBody>
       </p:sp>
     </p:spTree>
     <p:extLst>
       <p:ext uri="{BB962C8B-B14F-4D97-AF65-F5344CB8AC3E}">
-        <p14:creationId xmlns:p14="http://schemas.microsoft.com/office/powerpoint/2010/main" val="1860669312"/>
+        <p14:creationId xmlns:p14="http://schemas.microsoft.com/office/powerpoint/2010/main" val="2482602366"/>
       </p:ext>
     </p:extLst>
   </p:cSld>
@@ -7312,564 +8194,9 @@
   <p:timing>
     <p:tnLst>
       <p:par>
-        <p:cTn id="1" dur="indefinite" restart="never" nodeType="tmRoot">
-          <p:childTnLst>
-            <p:seq concurrent="1" nextAc="seek">
-              <p:cTn id="2" dur="indefinite" nodeType="mainSeq">
-                <p:childTnLst>
-                  <p:par>
-                    <p:cTn id="3" fill="hold">
-                      <p:stCondLst>
-                        <p:cond delay="indefinite"/>
-                      </p:stCondLst>
-                      <p:childTnLst>
-                        <p:par>
-                          <p:cTn id="4" fill="hold">
-                            <p:stCondLst>
-                              <p:cond delay="0"/>
-                            </p:stCondLst>
-                            <p:childTnLst>
-                              <p:par>
-                                <p:cTn id="5" presetID="1" presetClass="entr" presetSubtype="0" fill="hold" nodeType="clickEffect">
-                                  <p:stCondLst>
-                                    <p:cond delay="0"/>
-                                  </p:stCondLst>
-                                  <p:childTnLst>
-                                    <p:set>
-                                      <p:cBhvr>
-                                        <p:cTn id="6" dur="1" fill="hold">
-                                          <p:stCondLst>
-                                            <p:cond delay="0"/>
-                                          </p:stCondLst>
-                                        </p:cTn>
-                                        <p:tgtEl>
-                                          <p:spTgt spid="8">
-                                            <p:txEl>
-                                              <p:pRg st="0" end="0"/>
-                                            </p:txEl>
-                                          </p:spTgt>
-                                        </p:tgtEl>
-                                        <p:attrNameLst>
-                                          <p:attrName>style.visibility</p:attrName>
-                                        </p:attrNameLst>
-                                      </p:cBhvr>
-                                      <p:to>
-                                        <p:strVal val="visible"/>
-                                      </p:to>
-                                    </p:set>
-                                  </p:childTnLst>
-                                </p:cTn>
-                              </p:par>
-                            </p:childTnLst>
-                          </p:cTn>
-                        </p:par>
-                      </p:childTnLst>
-                    </p:cTn>
-                  </p:par>
-                  <p:par>
-                    <p:cTn id="7" fill="hold">
-                      <p:stCondLst>
-                        <p:cond delay="indefinite"/>
-                      </p:stCondLst>
-                      <p:childTnLst>
-                        <p:par>
-                          <p:cTn id="8" fill="hold">
-                            <p:stCondLst>
-                              <p:cond delay="0"/>
-                            </p:stCondLst>
-                            <p:childTnLst>
-                              <p:par>
-                                <p:cTn id="9" presetID="1" presetClass="entr" presetSubtype="0" fill="hold" nodeType="clickEffect">
-                                  <p:stCondLst>
-                                    <p:cond delay="0"/>
-                                  </p:stCondLst>
-                                  <p:childTnLst>
-                                    <p:set>
-                                      <p:cBhvr>
-                                        <p:cTn id="10" dur="1" fill="hold">
-                                          <p:stCondLst>
-                                            <p:cond delay="0"/>
-                                          </p:stCondLst>
-                                        </p:cTn>
-                                        <p:tgtEl>
-                                          <p:spTgt spid="8">
-                                            <p:txEl>
-                                              <p:pRg st="1" end="1"/>
-                                            </p:txEl>
-                                          </p:spTgt>
-                                        </p:tgtEl>
-                                        <p:attrNameLst>
-                                          <p:attrName>style.visibility</p:attrName>
-                                        </p:attrNameLst>
-                                      </p:cBhvr>
-                                      <p:to>
-                                        <p:strVal val="visible"/>
-                                      </p:to>
-                                    </p:set>
-                                  </p:childTnLst>
-                                </p:cTn>
-                              </p:par>
-                            </p:childTnLst>
-                          </p:cTn>
-                        </p:par>
-                      </p:childTnLst>
-                    </p:cTn>
-                  </p:par>
-                  <p:par>
-                    <p:cTn id="11" fill="hold">
-                      <p:stCondLst>
-                        <p:cond delay="indefinite"/>
-                      </p:stCondLst>
-                      <p:childTnLst>
-                        <p:par>
-                          <p:cTn id="12" fill="hold">
-                            <p:stCondLst>
-                              <p:cond delay="0"/>
-                            </p:stCondLst>
-                            <p:childTnLst>
-                              <p:par>
-                                <p:cTn id="13" presetID="1" presetClass="entr" presetSubtype="0" fill="hold" nodeType="clickEffect">
-                                  <p:stCondLst>
-                                    <p:cond delay="0"/>
-                                  </p:stCondLst>
-                                  <p:childTnLst>
-                                    <p:set>
-                                      <p:cBhvr>
-                                        <p:cTn id="14" dur="1" fill="hold">
-                                          <p:stCondLst>
-                                            <p:cond delay="0"/>
-                                          </p:stCondLst>
-                                        </p:cTn>
-                                        <p:tgtEl>
-                                          <p:spTgt spid="8">
-                                            <p:txEl>
-                                              <p:pRg st="2" end="2"/>
-                                            </p:txEl>
-                                          </p:spTgt>
-                                        </p:tgtEl>
-                                        <p:attrNameLst>
-                                          <p:attrName>style.visibility</p:attrName>
-                                        </p:attrNameLst>
-                                      </p:cBhvr>
-                                      <p:to>
-                                        <p:strVal val="visible"/>
-                                      </p:to>
-                                    </p:set>
-                                  </p:childTnLst>
-                                </p:cTn>
-                              </p:par>
-                            </p:childTnLst>
-                          </p:cTn>
-                        </p:par>
-                      </p:childTnLst>
-                    </p:cTn>
-                  </p:par>
-                  <p:par>
-                    <p:cTn id="15" fill="hold">
-                      <p:stCondLst>
-                        <p:cond delay="indefinite"/>
-                      </p:stCondLst>
-                      <p:childTnLst>
-                        <p:par>
-                          <p:cTn id="16" fill="hold">
-                            <p:stCondLst>
-                              <p:cond delay="0"/>
-                            </p:stCondLst>
-                            <p:childTnLst>
-                              <p:par>
-                                <p:cTn id="17" presetID="1" presetClass="entr" presetSubtype="0" fill="hold" nodeType="clickEffect">
-                                  <p:stCondLst>
-                                    <p:cond delay="0"/>
-                                  </p:stCondLst>
-                                  <p:childTnLst>
-                                    <p:set>
-                                      <p:cBhvr>
-                                        <p:cTn id="18" dur="1" fill="hold">
-                                          <p:stCondLst>
-                                            <p:cond delay="0"/>
-                                          </p:stCondLst>
-                                        </p:cTn>
-                                        <p:tgtEl>
-                                          <p:spTgt spid="8">
-                                            <p:txEl>
-                                              <p:pRg st="3" end="3"/>
-                                            </p:txEl>
-                                          </p:spTgt>
-                                        </p:tgtEl>
-                                        <p:attrNameLst>
-                                          <p:attrName>style.visibility</p:attrName>
-                                        </p:attrNameLst>
-                                      </p:cBhvr>
-                                      <p:to>
-                                        <p:strVal val="visible"/>
-                                      </p:to>
-                                    </p:set>
-                                  </p:childTnLst>
-                                </p:cTn>
-                              </p:par>
-                            </p:childTnLst>
-                          </p:cTn>
-                        </p:par>
-                      </p:childTnLst>
-                    </p:cTn>
-                  </p:par>
-                  <p:par>
-                    <p:cTn id="19" fill="hold">
-                      <p:stCondLst>
-                        <p:cond delay="indefinite"/>
-                      </p:stCondLst>
-                      <p:childTnLst>
-                        <p:par>
-                          <p:cTn id="20" fill="hold">
-                            <p:stCondLst>
-                              <p:cond delay="0"/>
-                            </p:stCondLst>
-                            <p:childTnLst>
-                              <p:par>
-                                <p:cTn id="21" presetID="1" presetClass="entr" presetSubtype="0" fill="hold" nodeType="clickEffect">
-                                  <p:stCondLst>
-                                    <p:cond delay="0"/>
-                                  </p:stCondLst>
-                                  <p:childTnLst>
-                                    <p:set>
-                                      <p:cBhvr>
-                                        <p:cTn id="22" dur="1" fill="hold">
-                                          <p:stCondLst>
-                                            <p:cond delay="0"/>
-                                          </p:stCondLst>
-                                        </p:cTn>
-                                        <p:tgtEl>
-                                          <p:spTgt spid="8">
-                                            <p:txEl>
-                                              <p:pRg st="4" end="4"/>
-                                            </p:txEl>
-                                          </p:spTgt>
-                                        </p:tgtEl>
-                                        <p:attrNameLst>
-                                          <p:attrName>style.visibility</p:attrName>
-                                        </p:attrNameLst>
-                                      </p:cBhvr>
-                                      <p:to>
-                                        <p:strVal val="visible"/>
-                                      </p:to>
-                                    </p:set>
-                                  </p:childTnLst>
-                                </p:cTn>
-                              </p:par>
-                            </p:childTnLst>
-                          </p:cTn>
-                        </p:par>
-                      </p:childTnLst>
-                    </p:cTn>
-                  </p:par>
-                  <p:par>
-                    <p:cTn id="23" fill="hold">
-                      <p:stCondLst>
-                        <p:cond delay="indefinite"/>
-                      </p:stCondLst>
-                      <p:childTnLst>
-                        <p:par>
-                          <p:cTn id="24" fill="hold">
-                            <p:stCondLst>
-                              <p:cond delay="0"/>
-                            </p:stCondLst>
-                            <p:childTnLst>
-                              <p:par>
-                                <p:cTn id="25" presetID="1" presetClass="entr" presetSubtype="0" fill="hold" nodeType="clickEffect">
-                                  <p:stCondLst>
-                                    <p:cond delay="0"/>
-                                  </p:stCondLst>
-                                  <p:childTnLst>
-                                    <p:set>
-                                      <p:cBhvr>
-                                        <p:cTn id="26" dur="1" fill="hold">
-                                          <p:stCondLst>
-                                            <p:cond delay="0"/>
-                                          </p:stCondLst>
-                                        </p:cTn>
-                                        <p:tgtEl>
-                                          <p:spTgt spid="8">
-                                            <p:txEl>
-                                              <p:pRg st="5" end="5"/>
-                                            </p:txEl>
-                                          </p:spTgt>
-                                        </p:tgtEl>
-                                        <p:attrNameLst>
-                                          <p:attrName>style.visibility</p:attrName>
-                                        </p:attrNameLst>
-                                      </p:cBhvr>
-                                      <p:to>
-                                        <p:strVal val="visible"/>
-                                      </p:to>
-                                    </p:set>
-                                  </p:childTnLst>
-                                </p:cTn>
-                              </p:par>
-                            </p:childTnLst>
-                          </p:cTn>
-                        </p:par>
-                      </p:childTnLst>
-                    </p:cTn>
-                  </p:par>
-                  <p:par>
-                    <p:cTn id="27" fill="hold">
-                      <p:stCondLst>
-                        <p:cond delay="indefinite"/>
-                      </p:stCondLst>
-                      <p:childTnLst>
-                        <p:par>
-                          <p:cTn id="28" fill="hold">
-                            <p:stCondLst>
-                              <p:cond delay="0"/>
-                            </p:stCondLst>
-                            <p:childTnLst>
-                              <p:par>
-                                <p:cTn id="29" presetID="1" presetClass="entr" presetSubtype="0" fill="hold" nodeType="clickEffect">
-                                  <p:stCondLst>
-                                    <p:cond delay="0"/>
-                                  </p:stCondLst>
-                                  <p:childTnLst>
-                                    <p:set>
-                                      <p:cBhvr>
-                                        <p:cTn id="30" dur="1" fill="hold">
-                                          <p:stCondLst>
-                                            <p:cond delay="0"/>
-                                          </p:stCondLst>
-                                        </p:cTn>
-                                        <p:tgtEl>
-                                          <p:spTgt spid="8">
-                                            <p:txEl>
-                                              <p:pRg st="6" end="6"/>
-                                            </p:txEl>
-                                          </p:spTgt>
-                                        </p:tgtEl>
-                                        <p:attrNameLst>
-                                          <p:attrName>style.visibility</p:attrName>
-                                        </p:attrNameLst>
-                                      </p:cBhvr>
-                                      <p:to>
-                                        <p:strVal val="visible"/>
-                                      </p:to>
-                                    </p:set>
-                                  </p:childTnLst>
-                                </p:cTn>
-                              </p:par>
-                            </p:childTnLst>
-                          </p:cTn>
-                        </p:par>
-                      </p:childTnLst>
-                    </p:cTn>
-                  </p:par>
-                  <p:par>
-                    <p:cTn id="31" fill="hold">
-                      <p:stCondLst>
-                        <p:cond delay="indefinite"/>
-                      </p:stCondLst>
-                      <p:childTnLst>
-                        <p:par>
-                          <p:cTn id="32" fill="hold">
-                            <p:stCondLst>
-                              <p:cond delay="0"/>
-                            </p:stCondLst>
-                            <p:childTnLst>
-                              <p:par>
-                                <p:cTn id="33" presetID="1" presetClass="entr" presetSubtype="0" fill="hold" nodeType="clickEffect">
-                                  <p:stCondLst>
-                                    <p:cond delay="0"/>
-                                  </p:stCondLst>
-                                  <p:childTnLst>
-                                    <p:set>
-                                      <p:cBhvr>
-                                        <p:cTn id="34" dur="1" fill="hold">
-                                          <p:stCondLst>
-                                            <p:cond delay="0"/>
-                                          </p:stCondLst>
-                                        </p:cTn>
-                                        <p:tgtEl>
-                                          <p:spTgt spid="8">
-                                            <p:txEl>
-                                              <p:pRg st="7" end="7"/>
-                                            </p:txEl>
-                                          </p:spTgt>
-                                        </p:tgtEl>
-                                        <p:attrNameLst>
-                                          <p:attrName>style.visibility</p:attrName>
-                                        </p:attrNameLst>
-                                      </p:cBhvr>
-                                      <p:to>
-                                        <p:strVal val="visible"/>
-                                      </p:to>
-                                    </p:set>
-                                  </p:childTnLst>
-                                </p:cTn>
-                              </p:par>
-                            </p:childTnLst>
-                          </p:cTn>
-                        </p:par>
-                      </p:childTnLst>
-                    </p:cTn>
-                  </p:par>
-                  <p:par>
-                    <p:cTn id="35" fill="hold">
-                      <p:stCondLst>
-                        <p:cond delay="indefinite"/>
-                      </p:stCondLst>
-                      <p:childTnLst>
-                        <p:par>
-                          <p:cTn id="36" fill="hold">
-                            <p:stCondLst>
-                              <p:cond delay="0"/>
-                            </p:stCondLst>
-                            <p:childTnLst>
-                              <p:par>
-                                <p:cTn id="37" presetID="1" presetClass="entr" presetSubtype="0" fill="hold" grpId="0" nodeType="clickEffect">
-                                  <p:stCondLst>
-                                    <p:cond delay="0"/>
-                                  </p:stCondLst>
-                                  <p:childTnLst>
-                                    <p:set>
-                                      <p:cBhvr>
-                                        <p:cTn id="38" dur="1" fill="hold">
-                                          <p:stCondLst>
-                                            <p:cond delay="0"/>
-                                          </p:stCondLst>
-                                        </p:cTn>
-                                        <p:tgtEl>
-                                          <p:spTgt spid="5"/>
-                                        </p:tgtEl>
-                                        <p:attrNameLst>
-                                          <p:attrName>style.visibility</p:attrName>
-                                        </p:attrNameLst>
-                                      </p:cBhvr>
-                                      <p:to>
-                                        <p:strVal val="visible"/>
-                                      </p:to>
-                                    </p:set>
-                                  </p:childTnLst>
-                                </p:cTn>
-                              </p:par>
-                            </p:childTnLst>
-                          </p:cTn>
-                        </p:par>
-                      </p:childTnLst>
-                    </p:cTn>
-                  </p:par>
-                  <p:par>
-                    <p:cTn id="39" fill="hold">
-                      <p:stCondLst>
-                        <p:cond delay="indefinite"/>
-                      </p:stCondLst>
-                      <p:childTnLst>
-                        <p:par>
-                          <p:cTn id="40" fill="hold">
-                            <p:stCondLst>
-                              <p:cond delay="0"/>
-                            </p:stCondLst>
-                            <p:childTnLst>
-                              <p:par>
-                                <p:cTn id="41" presetID="1" presetClass="entr" presetSubtype="0" fill="hold" grpId="0" nodeType="clickEffect">
-                                  <p:stCondLst>
-                                    <p:cond delay="0"/>
-                                  </p:stCondLst>
-                                  <p:childTnLst>
-                                    <p:set>
-                                      <p:cBhvr>
-                                        <p:cTn id="42" dur="1" fill="hold">
-                                          <p:stCondLst>
-                                            <p:cond delay="0"/>
-                                          </p:stCondLst>
-                                        </p:cTn>
-                                        <p:tgtEl>
-                                          <p:spTgt spid="9"/>
-                                        </p:tgtEl>
-                                        <p:attrNameLst>
-                                          <p:attrName>style.visibility</p:attrName>
-                                        </p:attrNameLst>
-                                      </p:cBhvr>
-                                      <p:to>
-                                        <p:strVal val="visible"/>
-                                      </p:to>
-                                    </p:set>
-                                  </p:childTnLst>
-                                </p:cTn>
-                              </p:par>
-                            </p:childTnLst>
-                          </p:cTn>
-                        </p:par>
-                      </p:childTnLst>
-                    </p:cTn>
-                  </p:par>
-                  <p:par>
-                    <p:cTn id="43" fill="hold">
-                      <p:stCondLst>
-                        <p:cond delay="indefinite"/>
-                      </p:stCondLst>
-                      <p:childTnLst>
-                        <p:par>
-                          <p:cTn id="44" fill="hold">
-                            <p:stCondLst>
-                              <p:cond delay="0"/>
-                            </p:stCondLst>
-                            <p:childTnLst>
-                              <p:par>
-                                <p:cTn id="45" presetID="1" presetClass="entr" presetSubtype="0" fill="hold" grpId="0" nodeType="clickEffect">
-                                  <p:stCondLst>
-                                    <p:cond delay="0"/>
-                                  </p:stCondLst>
-                                  <p:childTnLst>
-                                    <p:set>
-                                      <p:cBhvr>
-                                        <p:cTn id="46" dur="1" fill="hold">
-                                          <p:stCondLst>
-                                            <p:cond delay="0"/>
-                                          </p:stCondLst>
-                                        </p:cTn>
-                                        <p:tgtEl>
-                                          <p:spTgt spid="10"/>
-                                        </p:tgtEl>
-                                        <p:attrNameLst>
-                                          <p:attrName>style.visibility</p:attrName>
-                                        </p:attrNameLst>
-                                      </p:cBhvr>
-                                      <p:to>
-                                        <p:strVal val="visible"/>
-                                      </p:to>
-                                    </p:set>
-                                  </p:childTnLst>
-                                </p:cTn>
-                              </p:par>
-                            </p:childTnLst>
-                          </p:cTn>
-                        </p:par>
-                      </p:childTnLst>
-                    </p:cTn>
-                  </p:par>
-                </p:childTnLst>
-              </p:cTn>
-              <p:prevCondLst>
-                <p:cond evt="onPrev" delay="0">
-                  <p:tgtEl>
-                    <p:sldTgt/>
-                  </p:tgtEl>
-                </p:cond>
-              </p:prevCondLst>
-              <p:nextCondLst>
-                <p:cond evt="onNext" delay="0">
-                  <p:tgtEl>
-                    <p:sldTgt/>
-                  </p:tgtEl>
-                </p:cond>
-              </p:nextCondLst>
-            </p:seq>
-          </p:childTnLst>
-        </p:cTn>
+        <p:cTn id="1" dur="indefinite" restart="never" nodeType="tmRoot"/>
       </p:par>
     </p:tnLst>
-    <p:bldLst>
-      <p:bldP spid="5" grpId="0" animBg="1"/>
-      <p:bldP spid="9" grpId="0" animBg="1"/>
-      <p:bldP spid="10" grpId="0" animBg="1"/>
-    </p:bldLst>
   </p:timing>
 </p:sld>
 </file>
@@ -8021,8 +8348,8 @@
         </p:nvSpPr>
         <p:spPr>
           <a:xfrm>
-            <a:off x="932360" y="2844225"/>
-            <a:ext cx="4133696" cy="1569660"/>
+            <a:off x="1015488" y="2698752"/>
+            <a:ext cx="5923225" cy="1569660"/>
           </a:xfrm>
           <a:prstGeom prst="rect">
             <a:avLst/>
@@ -8040,8 +8367,13 @@
             </a:pPr>
             <a:r>
               <a:rPr lang="de-DE" sz="3200" dirty="0" smtClean="0"/>
-              <a:t>Themavorstellung</a:t>
-            </a:r>
+              <a:t>Einführung </a:t>
+            </a:r>
+            <a:r>
+              <a:rPr lang="de-DE" sz="3200" dirty="0" smtClean="0"/>
+              <a:t>zum Thema/Projekt</a:t>
+            </a:r>
+            <a:endParaRPr lang="de-DE" sz="3200" dirty="0" smtClean="0"/>
           </a:p>
           <a:p>
             <a:pPr marL="514350" indent="-514350">
@@ -8049,7 +8381,7 @@
             </a:pPr>
             <a:r>
               <a:rPr lang="de-DE" sz="3200" dirty="0" smtClean="0"/>
-              <a:t>Ziel</a:t>
+              <a:t>Vorhaben</a:t>
             </a:r>
           </a:p>
           <a:p>
@@ -8058,9 +8390,8 @@
             </a:pPr>
             <a:r>
               <a:rPr lang="de-DE" sz="3200" dirty="0" smtClean="0"/>
-              <a:t>(Grober) Projektplan</a:t>
-            </a:r>
-            <a:endParaRPr lang="de-DE" sz="3200" dirty="0"/>
+              <a:t>Geschehens/Geplantes</a:t>
+            </a:r>
           </a:p>
         </p:txBody>
       </p:sp>
@@ -8422,6 +8753,36 @@
           </a:extLst>
         </p:spPr>
       </p:pic>
+      <p:sp>
+        <p:nvSpPr>
+          <p:cNvPr id="7" name="Textfeld 6"/>
+          <p:cNvSpPr txBox="1"/>
+          <p:nvPr/>
+        </p:nvSpPr>
+        <p:spPr>
+          <a:xfrm>
+            <a:off x="278976" y="6352144"/>
+            <a:ext cx="2898742" cy="369332"/>
+          </a:xfrm>
+          <a:prstGeom prst="rect">
+            <a:avLst/>
+          </a:prstGeom>
+          <a:noFill/>
+        </p:spPr>
+        <p:txBody>
+          <a:bodyPr wrap="none" rtlCol="0">
+            <a:spAutoFit/>
+          </a:bodyPr>
+          <a:lstStyle/>
+          <a:p>
+            <a:r>
+              <a:rPr lang="de-DE" dirty="0" smtClean="0"/>
+              <a:t>1. Einführung Thema/Projekt</a:t>
+            </a:r>
+            <a:endParaRPr lang="de-DE" dirty="0"/>
+          </a:p>
+        </p:txBody>
+      </p:sp>
     </p:spTree>
     <p:extLst>
       <p:ext uri="{BB962C8B-B14F-4D97-AF65-F5344CB8AC3E}">
@@ -8657,6 +9018,36 @@
           </a:p>
         </p:txBody>
       </p:sp>
+      <p:sp>
+        <p:nvSpPr>
+          <p:cNvPr id="7" name="Textfeld 6"/>
+          <p:cNvSpPr txBox="1"/>
+          <p:nvPr/>
+        </p:nvSpPr>
+        <p:spPr>
+          <a:xfrm>
+            <a:off x="278976" y="6352144"/>
+            <a:ext cx="2898742" cy="369332"/>
+          </a:xfrm>
+          <a:prstGeom prst="rect">
+            <a:avLst/>
+          </a:prstGeom>
+          <a:noFill/>
+        </p:spPr>
+        <p:txBody>
+          <a:bodyPr wrap="none" rtlCol="0">
+            <a:spAutoFit/>
+          </a:bodyPr>
+          <a:lstStyle/>
+          <a:p>
+            <a:r>
+              <a:rPr lang="de-DE" dirty="0" smtClean="0"/>
+              <a:t>1. Einführung Thema/Projekt</a:t>
+            </a:r>
+            <a:endParaRPr lang="de-DE" dirty="0"/>
+          </a:p>
+        </p:txBody>
+      </p:sp>
     </p:spTree>
     <p:extLst>
       <p:ext uri="{BB962C8B-B14F-4D97-AF65-F5344CB8AC3E}">
@@ -8794,8 +9185,8 @@
         </p:nvSpPr>
         <p:spPr>
           <a:xfrm>
-            <a:off x="278976" y="1333126"/>
-            <a:ext cx="4939429" cy="646331"/>
+            <a:off x="310191" y="1225370"/>
+            <a:ext cx="2482283" cy="646331"/>
           </a:xfrm>
           <a:prstGeom prst="rect">
             <a:avLst/>
@@ -8810,7 +9201,7 @@
           <a:p>
             <a:r>
               <a:rPr lang="de-DE" sz="3600" b="1" dirty="0" smtClean="0"/>
-              <a:t>Transkriptions-Werkzeug</a:t>
+              <a:t>Stakeholder</a:t>
             </a:r>
             <a:endParaRPr lang="de-DE" sz="3600" b="1" dirty="0"/>
           </a:p>
@@ -8818,14 +9209,37 @@
       </p:sp>
       <p:sp>
         <p:nvSpPr>
-          <p:cNvPr id="5" name="Textfeld 4"/>
+          <p:cNvPr id="6" name="Foliennummernplatzhalter 5"/>
+          <p:cNvSpPr>
+            <a:spLocks noGrp="1"/>
+          </p:cNvSpPr>
+          <p:nvPr>
+            <p:ph type="sldNum" sz="quarter" idx="12"/>
+          </p:nvPr>
+        </p:nvSpPr>
+        <p:spPr/>
+        <p:txBody>
+          <a:bodyPr/>
+          <a:lstStyle/>
+          <a:p>
+            <a:fld id="{80E5386A-0EC8-4140-9404-D7701A815490}" type="slidenum">
+              <a:rPr lang="de-DE" smtClean="0"/>
+              <a:t>5</a:t>
+            </a:fld>
+            <a:endParaRPr lang="de-DE"/>
+          </a:p>
+        </p:txBody>
+      </p:sp>
+      <p:sp>
+        <p:nvSpPr>
+          <p:cNvPr id="7" name="Textfeld 6"/>
           <p:cNvSpPr txBox="1"/>
           <p:nvPr/>
         </p:nvSpPr>
         <p:spPr>
           <a:xfrm>
-            <a:off x="278976" y="2267972"/>
-            <a:ext cx="7339573" cy="1815882"/>
+            <a:off x="902213" y="2685178"/>
+            <a:ext cx="7339573" cy="3539430"/>
           </a:xfrm>
           <a:prstGeom prst="rect">
             <a:avLst/>
@@ -8837,6 +9251,23 @@
             <a:spAutoFit/>
           </a:bodyPr>
           <a:lstStyle/>
+          <a:p>
+            <a:r>
+              <a:rPr lang="de-DE" sz="2800" dirty="0" smtClean="0"/>
+              <a:t>Gerald </a:t>
+            </a:r>
+            <a:r>
+              <a:rPr lang="de-DE" sz="2800" dirty="0" err="1" smtClean="0"/>
+              <a:t>Schupfner</a:t>
+            </a:r>
+            <a:r>
+              <a:rPr lang="de-DE" sz="2800" dirty="0" smtClean="0"/>
+              <a:t> – Universitätsbibliothek</a:t>
+            </a:r>
+          </a:p>
+          <a:p>
+            <a:endParaRPr lang="de-DE" sz="2800" dirty="0"/>
+          </a:p>
           <a:p>
             <a:pPr marL="457200" indent="-457200">
               <a:buFontTx/>
@@ -8844,7 +9275,35 @@
             </a:pPr>
             <a:r>
               <a:rPr lang="de-DE" sz="2800" dirty="0" smtClean="0"/>
-              <a:t>Organisation der digitalisierten Aufnahmen</a:t>
+              <a:t>Sehr gute Kommunikation</a:t>
+            </a:r>
+          </a:p>
+          <a:p>
+            <a:pPr marL="914400" lvl="1" indent="-457200">
+              <a:buFontTx/>
+              <a:buChar char="-"/>
+            </a:pPr>
+            <a:r>
+              <a:rPr lang="de-DE" sz="2800" dirty="0" smtClean="0"/>
+              <a:t>Schon 3 mal getroffen</a:t>
+            </a:r>
+          </a:p>
+          <a:p>
+            <a:pPr marL="914400" lvl="1" indent="-457200">
+              <a:buFontTx/>
+              <a:buChar char="-"/>
+            </a:pPr>
+            <a:r>
+              <a:rPr lang="de-DE" sz="2800" dirty="0" err="1" smtClean="0"/>
+              <a:t>Oftes</a:t>
+            </a:r>
+            <a:r>
+              <a:rPr lang="de-DE" sz="2800" dirty="0" smtClean="0"/>
+              <a:t> </a:t>
+            </a:r>
+            <a:r>
+              <a:rPr lang="de-DE" sz="2800" dirty="0" smtClean="0"/>
+              <a:t>E-Mail Kontakt</a:t>
             </a:r>
           </a:p>
           <a:p>
@@ -8852,56 +9311,58 @@
               <a:buFontTx/>
               <a:buChar char="-"/>
             </a:pPr>
-            <a:r>
-              <a:rPr lang="de-DE" sz="2800" dirty="0" smtClean="0"/>
-              <a:t>Annotation/ Markierung</a:t>
-            </a:r>
+            <a:endParaRPr lang="de-DE" sz="2800" dirty="0" smtClean="0"/>
           </a:p>
           <a:p>
             <a:pPr marL="457200" indent="-457200">
               <a:buFontTx/>
               <a:buChar char="-"/>
             </a:pPr>
-            <a:r>
-              <a:rPr lang="de-DE" sz="2800" dirty="0" smtClean="0"/>
-              <a:t>Meta-Daten</a:t>
-            </a:r>
-          </a:p>
-          <a:p>
-            <a:r>
-              <a:rPr lang="de-DE" sz="2800" dirty="0" smtClean="0"/>
-              <a:t> </a:t>
-            </a:r>
-          </a:p>
-        </p:txBody>
-      </p:sp>
-      <p:sp>
-        <p:nvSpPr>
-          <p:cNvPr id="6" name="Foliennummernplatzhalter 5"/>
-          <p:cNvSpPr>
-            <a:spLocks noGrp="1"/>
-          </p:cNvSpPr>
-          <p:nvPr>
-            <p:ph type="sldNum" sz="quarter" idx="12"/>
-          </p:nvPr>
-        </p:nvSpPr>
-        <p:spPr/>
-        <p:txBody>
-          <a:bodyPr/>
-          <a:lstStyle/>
-          <a:p>
-            <a:fld id="{80E5386A-0EC8-4140-9404-D7701A815490}" type="slidenum">
-              <a:rPr lang="de-DE" smtClean="0"/>
-              <a:t>5</a:t>
-            </a:fld>
-            <a:endParaRPr lang="de-DE"/>
+            <a:endParaRPr lang="de-DE" sz="2800" dirty="0" smtClean="0"/>
+          </a:p>
+          <a:p>
+            <a:pPr marL="457200" indent="-457200">
+              <a:buFontTx/>
+              <a:buChar char="-"/>
+            </a:pPr>
+            <a:endParaRPr lang="de-DE" sz="2800" dirty="0" smtClean="0"/>
+          </a:p>
+        </p:txBody>
+      </p:sp>
+      <p:sp>
+        <p:nvSpPr>
+          <p:cNvPr id="8" name="Textfeld 7"/>
+          <p:cNvSpPr txBox="1"/>
+          <p:nvPr/>
+        </p:nvSpPr>
+        <p:spPr>
+          <a:xfrm>
+            <a:off x="278976" y="6352144"/>
+            <a:ext cx="2898742" cy="369332"/>
+          </a:xfrm>
+          <a:prstGeom prst="rect">
+            <a:avLst/>
+          </a:prstGeom>
+          <a:noFill/>
+        </p:spPr>
+        <p:txBody>
+          <a:bodyPr wrap="none" rtlCol="0">
+            <a:spAutoFit/>
+          </a:bodyPr>
+          <a:lstStyle/>
+          <a:p>
+            <a:r>
+              <a:rPr lang="de-DE" dirty="0" smtClean="0"/>
+              <a:t>1. Einführung Thema/Projekt</a:t>
+            </a:r>
+            <a:endParaRPr lang="de-DE" dirty="0"/>
           </a:p>
         </p:txBody>
       </p:sp>
     </p:spTree>
     <p:extLst>
       <p:ext uri="{BB962C8B-B14F-4D97-AF65-F5344CB8AC3E}">
-        <p14:creationId xmlns:p14="http://schemas.microsoft.com/office/powerpoint/2010/main" val="3773158301"/>
+        <p14:creationId xmlns:p14="http://schemas.microsoft.com/office/powerpoint/2010/main" val="203104389"/>
       </p:ext>
     </p:extLst>
   </p:cSld>
@@ -9035,8 +9496,8 @@
         </p:nvSpPr>
         <p:spPr>
           <a:xfrm>
-            <a:off x="312843" y="664260"/>
-            <a:ext cx="2707408" cy="646331"/>
+            <a:off x="310191" y="1225370"/>
+            <a:ext cx="2475358" cy="646331"/>
           </a:xfrm>
           <a:prstGeom prst="rect">
             <a:avLst/>
@@ -9051,7 +9512,7 @@
           <a:p>
             <a:r>
               <a:rPr lang="de-DE" sz="3600" b="1" dirty="0" smtClean="0"/>
-              <a:t>wavesurfer.js</a:t>
+              <a:t>Zielgruppen</a:t>
             </a:r>
             <a:endParaRPr lang="de-DE" sz="3600" b="1" dirty="0"/>
           </a:p>
@@ -9080,34 +9541,125 @@
           </a:p>
         </p:txBody>
       </p:sp>
-      <p:pic>
-        <p:nvPicPr>
-          <p:cNvPr id="7" name="Grafik 6"/>
-          <p:cNvPicPr>
-            <a:picLocks noChangeAspect="1"/>
-          </p:cNvPicPr>
-          <p:nvPr/>
-        </p:nvPicPr>
-        <p:blipFill>
-          <a:blip r:embed="rId3"/>
-          <a:stretch>
-            <a:fillRect/>
-          </a:stretch>
-        </p:blipFill>
-        <p:spPr>
-          <a:xfrm>
-            <a:off x="719243" y="1310591"/>
-            <a:ext cx="7381345" cy="5296835"/>
-          </a:xfrm>
-          <a:prstGeom prst="rect">
-            <a:avLst/>
-          </a:prstGeom>
-        </p:spPr>
-      </p:pic>
+      <p:sp>
+        <p:nvSpPr>
+          <p:cNvPr id="7" name="Textfeld 6"/>
+          <p:cNvSpPr txBox="1"/>
+          <p:nvPr/>
+        </p:nvSpPr>
+        <p:spPr>
+          <a:xfrm>
+            <a:off x="902213" y="2685178"/>
+            <a:ext cx="7794978" cy="2677656"/>
+          </a:xfrm>
+          <a:prstGeom prst="rect">
+            <a:avLst/>
+          </a:prstGeom>
+          <a:noFill/>
+        </p:spPr>
+        <p:txBody>
+          <a:bodyPr wrap="square" rtlCol="0">
+            <a:spAutoFit/>
+          </a:bodyPr>
+          <a:lstStyle/>
+          <a:p>
+            <a:r>
+              <a:rPr lang="de-DE" sz="2800" dirty="0" smtClean="0"/>
+              <a:t>-    </a:t>
+            </a:r>
+            <a:r>
+              <a:rPr lang="de-DE" sz="2800" dirty="0" smtClean="0"/>
+              <a:t>Universitätsbibliothek - Mitarbeiter </a:t>
+            </a:r>
+            <a:endParaRPr lang="de-DE" sz="2800" dirty="0" smtClean="0"/>
+          </a:p>
+          <a:p>
+            <a:pPr marL="457200" indent="-457200">
+              <a:buFontTx/>
+              <a:buChar char="-"/>
+            </a:pPr>
+            <a:r>
+              <a:rPr lang="de-DE" sz="2800" dirty="0" smtClean="0"/>
+              <a:t>Interessierte Laien</a:t>
+            </a:r>
+          </a:p>
+          <a:p>
+            <a:pPr marL="457200" indent="-457200">
+              <a:buFontTx/>
+              <a:buChar char="-"/>
+            </a:pPr>
+            <a:r>
+              <a:rPr lang="de-DE" sz="2800" dirty="0" smtClean="0"/>
+              <a:t>Studentische Hilfskräfte</a:t>
+            </a:r>
+          </a:p>
+          <a:p>
+            <a:pPr marL="457200" indent="-457200">
+              <a:buFontTx/>
+              <a:buChar char="-"/>
+            </a:pPr>
+            <a:r>
+              <a:rPr lang="de-DE" sz="2800" dirty="0" smtClean="0"/>
+              <a:t>Wissenschaftliche Mitarbeiter der </a:t>
+            </a:r>
+            <a:r>
+              <a:rPr lang="de-DE" sz="2800" dirty="0" smtClean="0"/>
+              <a:t>Uni-Bibliothek</a:t>
+            </a:r>
+            <a:endParaRPr lang="de-DE" sz="2800" dirty="0"/>
+          </a:p>
+          <a:p>
+            <a:pPr marL="457200" indent="-457200">
+              <a:buFontTx/>
+              <a:buChar char="-"/>
+            </a:pPr>
+            <a:r>
+              <a:rPr lang="de-DE" sz="2800" dirty="0" smtClean="0"/>
+              <a:t>Am Thema interessierte Wissenschaftler</a:t>
+            </a:r>
+          </a:p>
+          <a:p>
+            <a:r>
+              <a:rPr lang="de-DE" sz="2800" dirty="0" smtClean="0"/>
+              <a:t> </a:t>
+            </a:r>
+          </a:p>
+        </p:txBody>
+      </p:sp>
+      <p:sp>
+        <p:nvSpPr>
+          <p:cNvPr id="8" name="Textfeld 7"/>
+          <p:cNvSpPr txBox="1"/>
+          <p:nvPr/>
+        </p:nvSpPr>
+        <p:spPr>
+          <a:xfrm>
+            <a:off x="278976" y="6352144"/>
+            <a:ext cx="2898742" cy="369332"/>
+          </a:xfrm>
+          <a:prstGeom prst="rect">
+            <a:avLst/>
+          </a:prstGeom>
+          <a:noFill/>
+        </p:spPr>
+        <p:txBody>
+          <a:bodyPr wrap="none" rtlCol="0">
+            <a:spAutoFit/>
+          </a:bodyPr>
+          <a:lstStyle/>
+          <a:p>
+            <a:r>
+              <a:rPr lang="de-DE" dirty="0" smtClean="0"/>
+              <a:t>1. Einführung Thema/Projekt</a:t>
+            </a:r>
+            <a:endParaRPr lang="de-DE" dirty="0"/>
+          </a:p>
+        </p:txBody>
+      </p:sp>
     </p:spTree>
     <p:extLst>
       <p:ext uri="{BB962C8B-B14F-4D97-AF65-F5344CB8AC3E}">
-        <p14:creationId xmlns:p14="http://schemas.microsoft.com/office/powerpoint/2010/main" val="2266342802"/>
+        <p14:creationId xmlns:p14="http://schemas.microsoft.com/office/powerpoint/2010/main" val="1686385062"/>
       </p:ext>
     </p:extLst>
   </p:cSld>
@@ -9241,8 +9793,8 @@
         </p:nvSpPr>
         <p:spPr>
           <a:xfrm>
-            <a:off x="312843" y="664260"/>
-            <a:ext cx="2872005" cy="646331"/>
+            <a:off x="278976" y="1288136"/>
+            <a:ext cx="865943" cy="646331"/>
           </a:xfrm>
           <a:prstGeom prst="rect">
             <a:avLst/>
@@ -9256,14 +9808,99 @@
           <a:lstStyle/>
           <a:p>
             <a:r>
-              <a:rPr lang="de-DE" sz="3600" b="1" dirty="0" err="1" smtClean="0"/>
-              <a:t>BBC‘s</a:t>
-            </a:r>
-            <a:r>
               <a:rPr lang="de-DE" sz="3600" b="1" dirty="0" smtClean="0"/>
-              <a:t> Peaks.js</a:t>
+              <a:t>Ziel</a:t>
             </a:r>
             <a:endParaRPr lang="de-DE" sz="3600" b="1" dirty="0"/>
+          </a:p>
+        </p:txBody>
+      </p:sp>
+      <p:sp>
+        <p:nvSpPr>
+          <p:cNvPr id="5" name="Textfeld 4"/>
+          <p:cNvSpPr txBox="1"/>
+          <p:nvPr/>
+        </p:nvSpPr>
+        <p:spPr>
+          <a:xfrm>
+            <a:off x="278976" y="2267972"/>
+            <a:ext cx="7339573" cy="3108543"/>
+          </a:xfrm>
+          <a:prstGeom prst="rect">
+            <a:avLst/>
+          </a:prstGeom>
+          <a:noFill/>
+        </p:spPr>
+        <p:txBody>
+          <a:bodyPr wrap="square" rtlCol="0">
+            <a:spAutoFit/>
+          </a:bodyPr>
+          <a:lstStyle/>
+          <a:p>
+            <a:r>
+              <a:rPr lang="de-DE" sz="2800" b="1" dirty="0" smtClean="0"/>
+              <a:t>Transkriptions-Werkzeug</a:t>
+            </a:r>
+          </a:p>
+          <a:p>
+            <a:pPr marL="457200" indent="-457200">
+              <a:buFontTx/>
+              <a:buChar char="-"/>
+            </a:pPr>
+            <a:r>
+              <a:rPr lang="de-DE" sz="2800" dirty="0" smtClean="0"/>
+              <a:t>Organisation der digitalisierten Aufnahmen</a:t>
+            </a:r>
+          </a:p>
+          <a:p>
+            <a:pPr marL="457200" indent="-457200">
+              <a:buFontTx/>
+              <a:buChar char="-"/>
+            </a:pPr>
+            <a:r>
+              <a:rPr lang="de-DE" sz="2800" dirty="0"/>
+              <a:t>Abspielen und Darstellen in </a:t>
+            </a:r>
+            <a:r>
+              <a:rPr lang="de-DE" sz="2800" dirty="0" smtClean="0"/>
+              <a:t>Wellenform</a:t>
+            </a:r>
+          </a:p>
+          <a:p>
+            <a:pPr marL="457200" indent="-457200">
+              <a:buFontTx/>
+              <a:buChar char="-"/>
+            </a:pPr>
+            <a:r>
+              <a:rPr lang="de-DE" sz="2800" dirty="0" smtClean="0"/>
+              <a:t>Annotation/ Markierung</a:t>
+            </a:r>
+          </a:p>
+          <a:p>
+            <a:pPr marL="457200" indent="-457200">
+              <a:buFontTx/>
+              <a:buChar char="-"/>
+            </a:pPr>
+            <a:r>
+              <a:rPr lang="de-DE" sz="2800" dirty="0" smtClean="0"/>
+              <a:t>Meta-Daten</a:t>
+            </a:r>
+          </a:p>
+          <a:p>
+            <a:pPr marL="457200" indent="-457200">
+              <a:buFontTx/>
+              <a:buChar char="-"/>
+            </a:pPr>
+            <a:r>
+              <a:rPr lang="de-DE" sz="2800" dirty="0" smtClean="0"/>
+              <a:t>Interaktionen mit der Wellenform</a:t>
+            </a:r>
+          </a:p>
+          <a:p>
+            <a:r>
+              <a:rPr lang="de-DE" sz="2800" dirty="0" smtClean="0"/>
+              <a:t> </a:t>
+            </a:r>
           </a:p>
         </p:txBody>
       </p:sp>
@@ -9290,34 +9927,44 @@
           </a:p>
         </p:txBody>
       </p:sp>
-      <p:pic>
-        <p:nvPicPr>
-          <p:cNvPr id="8" name="Grafik 7"/>
-          <p:cNvPicPr>
-            <a:picLocks noChangeAspect="1"/>
-          </p:cNvPicPr>
-          <p:nvPr/>
-        </p:nvPicPr>
-        <p:blipFill>
-          <a:blip r:embed="rId3"/>
-          <a:stretch>
-            <a:fillRect/>
-          </a:stretch>
-        </p:blipFill>
-        <p:spPr>
-          <a:xfrm>
-            <a:off x="1428752" y="1342689"/>
-            <a:ext cx="6057898" cy="5515311"/>
-          </a:xfrm>
-          <a:prstGeom prst="rect">
-            <a:avLst/>
-          </a:prstGeom>
-        </p:spPr>
-      </p:pic>
+      <p:sp>
+        <p:nvSpPr>
+          <p:cNvPr id="7" name="Textfeld 6"/>
+          <p:cNvSpPr txBox="1"/>
+          <p:nvPr/>
+        </p:nvSpPr>
+        <p:spPr>
+          <a:xfrm>
+            <a:off x="278976" y="6352144"/>
+            <a:ext cx="1327543" cy="369332"/>
+          </a:xfrm>
+          <a:prstGeom prst="rect">
+            <a:avLst/>
+          </a:prstGeom>
+          <a:noFill/>
+        </p:spPr>
+        <p:txBody>
+          <a:bodyPr wrap="none" rtlCol="0">
+            <a:spAutoFit/>
+          </a:bodyPr>
+          <a:lstStyle/>
+          <a:p>
+            <a:r>
+              <a:rPr lang="de-DE" dirty="0"/>
+              <a:t>2</a:t>
+            </a:r>
+            <a:r>
+              <a:rPr lang="de-DE" dirty="0" smtClean="0"/>
+              <a:t>. Vorhaben</a:t>
+            </a:r>
+            <a:endParaRPr lang="de-DE" dirty="0"/>
+          </a:p>
+        </p:txBody>
+      </p:sp>
     </p:spTree>
     <p:extLst>
       <p:ext uri="{BB962C8B-B14F-4D97-AF65-F5344CB8AC3E}">
-        <p14:creationId xmlns:p14="http://schemas.microsoft.com/office/powerpoint/2010/main" val="4073026753"/>
+        <p14:creationId xmlns:p14="http://schemas.microsoft.com/office/powerpoint/2010/main" val="3773158301"/>
       </p:ext>
     </p:extLst>
   </p:cSld>
@@ -9452,7 +10099,7 @@
         <p:spPr>
           <a:xfrm>
             <a:off x="310191" y="1225370"/>
-            <a:ext cx="5726761" cy="646331"/>
+            <a:ext cx="3837525" cy="646331"/>
           </a:xfrm>
           <a:prstGeom prst="rect">
             <a:avLst/>
@@ -9467,7 +10114,7 @@
           <a:p>
             <a:r>
               <a:rPr lang="de-DE" sz="3600" b="1" dirty="0" smtClean="0"/>
-              <a:t>Stakeholder und Zielgruppen</a:t>
+              <a:t>Optionale Features</a:t>
             </a:r>
             <a:endParaRPr lang="de-DE" sz="3600" b="1" dirty="0"/>
           </a:p>
@@ -9505,7 +10152,7 @@
         <p:spPr>
           <a:xfrm>
             <a:off x="902213" y="2685178"/>
-            <a:ext cx="7339573" cy="2677656"/>
+            <a:ext cx="7815760" cy="1815882"/>
           </a:xfrm>
           <a:prstGeom prst="rect">
             <a:avLst/>
@@ -9518,70 +10165,86 @@
           </a:bodyPr>
           <a:lstStyle/>
           <a:p>
+            <a:pPr marL="514350" indent="-514350">
+              <a:buFont typeface="+mj-lt"/>
+              <a:buAutoNum type="arabicPeriod"/>
+            </a:pPr>
             <a:r>
               <a:rPr lang="de-DE" sz="2800" dirty="0" smtClean="0"/>
-              <a:t>-    Universitätsbibliothek </a:t>
-            </a:r>
-            <a:endParaRPr lang="de-DE" sz="2800" dirty="0" smtClean="0"/>
-          </a:p>
-          <a:p>
-            <a:pPr marL="457200" indent="-457200">
-              <a:buFontTx/>
-              <a:buChar char="-"/>
+              <a:t>Login </a:t>
+            </a:r>
+          </a:p>
+          <a:p>
+            <a:pPr marL="514350" indent="-514350">
+              <a:buFont typeface="+mj-lt"/>
+              <a:buAutoNum type="arabicPeriod"/>
             </a:pPr>
             <a:r>
               <a:rPr lang="de-DE" sz="2800" dirty="0" smtClean="0"/>
-              <a:t>Interessierte Laien</a:t>
-            </a:r>
-          </a:p>
-          <a:p>
-            <a:pPr marL="457200" indent="-457200">
-              <a:buFontTx/>
-              <a:buChar char="-"/>
+              <a:t>Heuristiken zur automatischen Track-Erkennung</a:t>
+            </a:r>
+            <a:endParaRPr lang="de-DE" sz="2800" dirty="0"/>
+          </a:p>
+          <a:p>
+            <a:pPr marL="514350" indent="-514350">
+              <a:buFont typeface="+mj-lt"/>
+              <a:buAutoNum type="arabicPeriod"/>
             </a:pPr>
             <a:r>
               <a:rPr lang="de-DE" sz="2800" dirty="0" smtClean="0"/>
-              <a:t>Studentische Hilfskräfte</a:t>
-            </a:r>
-          </a:p>
-          <a:p>
-            <a:pPr marL="457200" indent="-457200">
-              <a:buFontTx/>
-              <a:buChar char="-"/>
+              <a:t>Exportieren der Metadaten</a:t>
+            </a:r>
+          </a:p>
+          <a:p>
+            <a:pPr marL="514350" indent="-514350">
+              <a:buFont typeface="+mj-lt"/>
+              <a:buAutoNum type="arabicPeriod"/>
             </a:pPr>
             <a:r>
               <a:rPr lang="de-DE" sz="2800" dirty="0" smtClean="0"/>
-              <a:t>Wissenschaftliche Mitarbeiter der Uni-</a:t>
-            </a:r>
-            <a:r>
-              <a:rPr lang="de-DE" sz="2800" dirty="0" err="1" smtClean="0"/>
-              <a:t>Bib</a:t>
-            </a:r>
-            <a:endParaRPr lang="de-DE" sz="2800" dirty="0"/>
-          </a:p>
-          <a:p>
-            <a:pPr marL="457200" indent="-457200">
-              <a:buFontTx/>
-              <a:buChar char="-"/>
-            </a:pPr>
-            <a:r>
-              <a:rPr lang="de-DE" sz="2800" dirty="0" smtClean="0"/>
-              <a:t>Am Thema interessierte Wissenschaftler</a:t>
-            </a:r>
-            <a:endParaRPr lang="de-DE" sz="2800" dirty="0" smtClean="0"/>
-          </a:p>
-          <a:p>
-            <a:r>
-              <a:rPr lang="de-DE" sz="2800" dirty="0" smtClean="0"/>
-              <a:t> </a:t>
-            </a:r>
+              <a:t>Erweiterung durch verschiedene Projekte</a:t>
+            </a:r>
+          </a:p>
+        </p:txBody>
+      </p:sp>
+      <p:sp>
+        <p:nvSpPr>
+          <p:cNvPr id="8" name="Textfeld 7"/>
+          <p:cNvSpPr txBox="1"/>
+          <p:nvPr/>
+        </p:nvSpPr>
+        <p:spPr>
+          <a:xfrm>
+            <a:off x="278976" y="6352144"/>
+            <a:ext cx="1327543" cy="369332"/>
+          </a:xfrm>
+          <a:prstGeom prst="rect">
+            <a:avLst/>
+          </a:prstGeom>
+          <a:noFill/>
+        </p:spPr>
+        <p:txBody>
+          <a:bodyPr wrap="none" rtlCol="0">
+            <a:spAutoFit/>
+          </a:bodyPr>
+          <a:lstStyle/>
+          <a:p>
+            <a:r>
+              <a:rPr lang="de-DE" dirty="0"/>
+              <a:t>2</a:t>
+            </a:r>
+            <a:r>
+              <a:rPr lang="de-DE" dirty="0" smtClean="0"/>
+              <a:t>. Vorhaben</a:t>
+            </a:r>
+            <a:endParaRPr lang="de-DE" dirty="0"/>
           </a:p>
         </p:txBody>
       </p:sp>
     </p:spTree>
     <p:extLst>
       <p:ext uri="{BB962C8B-B14F-4D97-AF65-F5344CB8AC3E}">
-        <p14:creationId xmlns:p14="http://schemas.microsoft.com/office/powerpoint/2010/main" val="203104389"/>
+        <p14:creationId xmlns:p14="http://schemas.microsoft.com/office/powerpoint/2010/main" val="1326091962"/>
       </p:ext>
     </p:extLst>
   </p:cSld>
@@ -9715,8 +10378,8 @@
         </p:nvSpPr>
         <p:spPr>
           <a:xfrm>
-            <a:off x="310191" y="1225370"/>
-            <a:ext cx="3929730" cy="646331"/>
+            <a:off x="312843" y="664260"/>
+            <a:ext cx="2707408" cy="646331"/>
           </a:xfrm>
           <a:prstGeom prst="rect">
             <a:avLst/>
@@ -9731,7 +10394,7 @@
           <a:p>
             <a:r>
               <a:rPr lang="de-DE" sz="3600" b="1" dirty="0" smtClean="0"/>
-              <a:t>Kernanforderungen</a:t>
+              <a:t>wavesurfer.js</a:t>
             </a:r>
             <a:endParaRPr lang="de-DE" sz="3600" b="1" dirty="0"/>
           </a:p>
@@ -9760,16 +10423,40 @@
           </a:p>
         </p:txBody>
       </p:sp>
-      <p:sp>
-        <p:nvSpPr>
-          <p:cNvPr id="7" name="Textfeld 6"/>
+      <p:pic>
+        <p:nvPicPr>
+          <p:cNvPr id="7" name="Grafik 6"/>
+          <p:cNvPicPr>
+            <a:picLocks noChangeAspect="1"/>
+          </p:cNvPicPr>
+          <p:nvPr/>
+        </p:nvPicPr>
+        <p:blipFill>
+          <a:blip r:embed="rId3"/>
+          <a:stretch>
+            <a:fillRect/>
+          </a:stretch>
+        </p:blipFill>
+        <p:spPr>
+          <a:xfrm>
+            <a:off x="779319" y="1223146"/>
+            <a:ext cx="7269315" cy="5216443"/>
+          </a:xfrm>
+          <a:prstGeom prst="rect">
+            <a:avLst/>
+          </a:prstGeom>
+        </p:spPr>
+      </p:pic>
+      <p:sp>
+        <p:nvSpPr>
+          <p:cNvPr id="8" name="Textfeld 7"/>
           <p:cNvSpPr txBox="1"/>
           <p:nvPr/>
         </p:nvSpPr>
         <p:spPr>
           <a:xfrm>
-            <a:off x="902213" y="2685178"/>
-            <a:ext cx="7339573" cy="2246769"/>
+            <a:off x="278976" y="6352144"/>
+            <a:ext cx="1327543" cy="369332"/>
           </a:xfrm>
           <a:prstGeom prst="rect">
             <a:avLst/>
@@ -9777,69 +10464,27 @@
           <a:noFill/>
         </p:spPr>
         <p:txBody>
-          <a:bodyPr wrap="square" rtlCol="0">
+          <a:bodyPr wrap="none" rtlCol="0">
             <a:spAutoFit/>
           </a:bodyPr>
           <a:lstStyle/>
           <a:p>
-            <a:pPr marL="457200" indent="-457200">
-              <a:buFontTx/>
-              <a:buChar char="-"/>
-            </a:pPr>
-            <a:r>
-              <a:rPr lang="de-DE" sz="2800" dirty="0" smtClean="0"/>
-              <a:t>Abspielen und Darstellen in </a:t>
-            </a:r>
-            <a:r>
-              <a:rPr lang="de-DE" sz="2800" dirty="0" err="1" smtClean="0"/>
-              <a:t>Waveform</a:t>
-            </a:r>
-            <a:endParaRPr lang="de-DE" sz="2800" dirty="0"/>
-          </a:p>
-          <a:p>
-            <a:pPr marL="457200" indent="-457200">
-              <a:buFontTx/>
-              <a:buChar char="-"/>
-            </a:pPr>
-            <a:r>
-              <a:rPr lang="de-DE" sz="2800" dirty="0" smtClean="0"/>
-              <a:t>Setzen von Markierungen</a:t>
-            </a:r>
-          </a:p>
-          <a:p>
-            <a:pPr marL="457200" indent="-457200">
-              <a:buFontTx/>
-              <a:buChar char="-"/>
-            </a:pPr>
-            <a:r>
-              <a:rPr lang="de-DE" sz="2800" dirty="0" smtClean="0"/>
-              <a:t>Hinzufügen von Metadaten</a:t>
-            </a:r>
-            <a:endParaRPr lang="de-DE" sz="2800" dirty="0" smtClean="0"/>
-          </a:p>
-          <a:p>
-            <a:pPr marL="457200" indent="-457200">
-              <a:buFontTx/>
-              <a:buChar char="-"/>
-            </a:pPr>
-            <a:r>
-              <a:rPr lang="de-DE" sz="2800" dirty="0" smtClean="0"/>
-              <a:t>Interaktionen mit dem Tool</a:t>
-            </a:r>
-            <a:endParaRPr lang="de-DE" sz="2800" dirty="0" smtClean="0"/>
-          </a:p>
-          <a:p>
-            <a:r>
-              <a:rPr lang="de-DE" sz="2800" dirty="0" smtClean="0"/>
-              <a:t> </a:t>
-            </a:r>
+            <a:r>
+              <a:rPr lang="de-DE" dirty="0"/>
+              <a:t>2</a:t>
+            </a:r>
+            <a:r>
+              <a:rPr lang="de-DE" dirty="0" smtClean="0"/>
+              <a:t>. Vorhaben</a:t>
+            </a:r>
+            <a:endParaRPr lang="de-DE" dirty="0"/>
           </a:p>
         </p:txBody>
       </p:sp>
     </p:spTree>
     <p:extLst>
       <p:ext uri="{BB962C8B-B14F-4D97-AF65-F5344CB8AC3E}">
-        <p14:creationId xmlns:p14="http://schemas.microsoft.com/office/powerpoint/2010/main" val="3618119134"/>
+        <p14:creationId xmlns:p14="http://schemas.microsoft.com/office/powerpoint/2010/main" val="2266342802"/>
       </p:ext>
     </p:extLst>
   </p:cSld>
